--- a/JavaScript/Week3/Week3.pptx
+++ b/JavaScript/Week3/Week3.pptx
@@ -255,7 +255,7 @@
           <a:p>
             <a:fld id="{F28A4246-F2A7-4220-A405-8A96DAE08D6A}" type="datetimeFigureOut">
               <a:rPr lang="en-US" smtClean="0"/>
-              <a:t>9/15/2024</a:t>
+              <a:t>9/16/2024</a:t>
             </a:fld>
             <a:endParaRPr lang="en-US"/>
           </a:p>
@@ -425,7 +425,7 @@
           <a:p>
             <a:fld id="{F28A4246-F2A7-4220-A405-8A96DAE08D6A}" type="datetimeFigureOut">
               <a:rPr lang="en-US" smtClean="0"/>
-              <a:t>9/15/2024</a:t>
+              <a:t>9/16/2024</a:t>
             </a:fld>
             <a:endParaRPr lang="en-US"/>
           </a:p>
@@ -605,7 +605,7 @@
           <a:p>
             <a:fld id="{F28A4246-F2A7-4220-A405-8A96DAE08D6A}" type="datetimeFigureOut">
               <a:rPr lang="en-US" smtClean="0"/>
-              <a:t>9/15/2024</a:t>
+              <a:t>9/16/2024</a:t>
             </a:fld>
             <a:endParaRPr lang="en-US"/>
           </a:p>
@@ -775,7 +775,7 @@
           <a:p>
             <a:fld id="{F28A4246-F2A7-4220-A405-8A96DAE08D6A}" type="datetimeFigureOut">
               <a:rPr lang="en-US" smtClean="0"/>
-              <a:t>9/15/2024</a:t>
+              <a:t>9/16/2024</a:t>
             </a:fld>
             <a:endParaRPr lang="en-US"/>
           </a:p>
@@ -1021,7 +1021,7 @@
           <a:p>
             <a:fld id="{F28A4246-F2A7-4220-A405-8A96DAE08D6A}" type="datetimeFigureOut">
               <a:rPr lang="en-US" smtClean="0"/>
-              <a:t>9/15/2024</a:t>
+              <a:t>9/16/2024</a:t>
             </a:fld>
             <a:endParaRPr lang="en-US"/>
           </a:p>
@@ -1253,7 +1253,7 @@
           <a:p>
             <a:fld id="{F28A4246-F2A7-4220-A405-8A96DAE08D6A}" type="datetimeFigureOut">
               <a:rPr lang="en-US" smtClean="0"/>
-              <a:t>9/15/2024</a:t>
+              <a:t>9/16/2024</a:t>
             </a:fld>
             <a:endParaRPr lang="en-US"/>
           </a:p>
@@ -1620,7 +1620,7 @@
           <a:p>
             <a:fld id="{F28A4246-F2A7-4220-A405-8A96DAE08D6A}" type="datetimeFigureOut">
               <a:rPr lang="en-US" smtClean="0"/>
-              <a:t>9/15/2024</a:t>
+              <a:t>9/16/2024</a:t>
             </a:fld>
             <a:endParaRPr lang="en-US"/>
           </a:p>
@@ -1738,7 +1738,7 @@
           <a:p>
             <a:fld id="{F28A4246-F2A7-4220-A405-8A96DAE08D6A}" type="datetimeFigureOut">
               <a:rPr lang="en-US" smtClean="0"/>
-              <a:t>9/15/2024</a:t>
+              <a:t>9/16/2024</a:t>
             </a:fld>
             <a:endParaRPr lang="en-US"/>
           </a:p>
@@ -1833,7 +1833,7 @@
           <a:p>
             <a:fld id="{F28A4246-F2A7-4220-A405-8A96DAE08D6A}" type="datetimeFigureOut">
               <a:rPr lang="en-US" smtClean="0"/>
-              <a:t>9/15/2024</a:t>
+              <a:t>9/16/2024</a:t>
             </a:fld>
             <a:endParaRPr lang="en-US"/>
           </a:p>
@@ -2110,7 +2110,7 @@
           <a:p>
             <a:fld id="{F28A4246-F2A7-4220-A405-8A96DAE08D6A}" type="datetimeFigureOut">
               <a:rPr lang="en-US" smtClean="0"/>
-              <a:t>9/15/2024</a:t>
+              <a:t>9/16/2024</a:t>
             </a:fld>
             <a:endParaRPr lang="en-US"/>
           </a:p>
@@ -2367,7 +2367,7 @@
           <a:p>
             <a:fld id="{F28A4246-F2A7-4220-A405-8A96DAE08D6A}" type="datetimeFigureOut">
               <a:rPr lang="en-US" smtClean="0"/>
-              <a:t>9/15/2024</a:t>
+              <a:t>9/16/2024</a:t>
             </a:fld>
             <a:endParaRPr lang="en-US"/>
           </a:p>
@@ -2580,7 +2580,7 @@
           <a:p>
             <a:fld id="{F28A4246-F2A7-4220-A405-8A96DAE08D6A}" type="datetimeFigureOut">
               <a:rPr lang="en-US" smtClean="0"/>
-              <a:t>9/15/2024</a:t>
+              <a:t>9/16/2024</a:t>
             </a:fld>
             <a:endParaRPr lang="en-US"/>
           </a:p>
@@ -3013,7 +3013,7 @@
           <a:p>
             <a:r>
               <a:rPr lang="en-US" dirty="0"/>
-              <a:t>Week 2 </a:t>
+              <a:t>Week 3 </a:t>
             </a:r>
           </a:p>
         </p:txBody>
@@ -3041,7 +3041,7 @@
           <a:p>
             <a:r>
               <a:rPr lang="en-US" dirty="0"/>
-              <a:t>Introduction to JavaScript Language!</a:t>
+              <a:t>Functions – First class members of JS programs!</a:t>
             </a:r>
           </a:p>
         </p:txBody>
@@ -3528,7 +3528,10 @@
             <a:pPr marL="0" indent="0">
               <a:buNone/>
             </a:pPr>
-            <a:endParaRPr lang="en-US" dirty="0"/>
+            <a:r>
+              <a:rPr lang="en-US" dirty="0"/>
+              <a:t>//default parameter…</a:t>
+            </a:r>
           </a:p>
           <a:p>
             <a:pPr marL="0" indent="0">
@@ -3787,7 +3790,7 @@
             </a:pPr>
             <a:r>
               <a:rPr lang="en-US" dirty="0"/>
-              <a:t>Rest Operator</a:t>
+              <a:t>Rest Operator ( … )</a:t>
             </a:r>
           </a:p>
           <a:p>
@@ -3826,7 +3829,7 @@
             </a:pPr>
             <a:r>
               <a:rPr lang="en-US" dirty="0"/>
-              <a:t>Scope! </a:t>
+              <a:t>Scope! var and let..</a:t>
             </a:r>
           </a:p>
           <a:p>

--- a/JavaScript/Week3/Week3.pptx
+++ b/JavaScript/Week3/Week3.pptx
@@ -18,6 +18,20 @@
     <p:sldId id="266" r:id="rId12"/>
     <p:sldId id="267" r:id="rId13"/>
     <p:sldId id="268" r:id="rId14"/>
+    <p:sldId id="269" r:id="rId15"/>
+    <p:sldId id="270" r:id="rId16"/>
+    <p:sldId id="271" r:id="rId17"/>
+    <p:sldId id="272" r:id="rId18"/>
+    <p:sldId id="273" r:id="rId19"/>
+    <p:sldId id="274" r:id="rId20"/>
+    <p:sldId id="275" r:id="rId21"/>
+    <p:sldId id="276" r:id="rId22"/>
+    <p:sldId id="277" r:id="rId23"/>
+    <p:sldId id="279" r:id="rId24"/>
+    <p:sldId id="280" r:id="rId25"/>
+    <p:sldId id="281" r:id="rId26"/>
+    <p:sldId id="282" r:id="rId27"/>
+    <p:sldId id="283" r:id="rId28"/>
   </p:sldIdLst>
   <p:sldSz cx="12192000" cy="6858000"/>
   <p:notesSz cx="6858000" cy="9144000"/>
@@ -255,7 +269,7 @@
           <a:p>
             <a:fld id="{F28A4246-F2A7-4220-A405-8A96DAE08D6A}" type="datetimeFigureOut">
               <a:rPr lang="en-US" smtClean="0"/>
-              <a:t>9/16/2024</a:t>
+              <a:t>9/17/2024</a:t>
             </a:fld>
             <a:endParaRPr lang="en-US"/>
           </a:p>
@@ -425,7 +439,7 @@
           <a:p>
             <a:fld id="{F28A4246-F2A7-4220-A405-8A96DAE08D6A}" type="datetimeFigureOut">
               <a:rPr lang="en-US" smtClean="0"/>
-              <a:t>9/16/2024</a:t>
+              <a:t>9/17/2024</a:t>
             </a:fld>
             <a:endParaRPr lang="en-US"/>
           </a:p>
@@ -605,7 +619,7 @@
           <a:p>
             <a:fld id="{F28A4246-F2A7-4220-A405-8A96DAE08D6A}" type="datetimeFigureOut">
               <a:rPr lang="en-US" smtClean="0"/>
-              <a:t>9/16/2024</a:t>
+              <a:t>9/17/2024</a:t>
             </a:fld>
             <a:endParaRPr lang="en-US"/>
           </a:p>
@@ -775,7 +789,7 @@
           <a:p>
             <a:fld id="{F28A4246-F2A7-4220-A405-8A96DAE08D6A}" type="datetimeFigureOut">
               <a:rPr lang="en-US" smtClean="0"/>
-              <a:t>9/16/2024</a:t>
+              <a:t>9/17/2024</a:t>
             </a:fld>
             <a:endParaRPr lang="en-US"/>
           </a:p>
@@ -1021,7 +1035,7 @@
           <a:p>
             <a:fld id="{F28A4246-F2A7-4220-A405-8A96DAE08D6A}" type="datetimeFigureOut">
               <a:rPr lang="en-US" smtClean="0"/>
-              <a:t>9/16/2024</a:t>
+              <a:t>9/17/2024</a:t>
             </a:fld>
             <a:endParaRPr lang="en-US"/>
           </a:p>
@@ -1253,7 +1267,7 @@
           <a:p>
             <a:fld id="{F28A4246-F2A7-4220-A405-8A96DAE08D6A}" type="datetimeFigureOut">
               <a:rPr lang="en-US" smtClean="0"/>
-              <a:t>9/16/2024</a:t>
+              <a:t>9/17/2024</a:t>
             </a:fld>
             <a:endParaRPr lang="en-US"/>
           </a:p>
@@ -1620,7 +1634,7 @@
           <a:p>
             <a:fld id="{F28A4246-F2A7-4220-A405-8A96DAE08D6A}" type="datetimeFigureOut">
               <a:rPr lang="en-US" smtClean="0"/>
-              <a:t>9/16/2024</a:t>
+              <a:t>9/17/2024</a:t>
             </a:fld>
             <a:endParaRPr lang="en-US"/>
           </a:p>
@@ -1738,7 +1752,7 @@
           <a:p>
             <a:fld id="{F28A4246-F2A7-4220-A405-8A96DAE08D6A}" type="datetimeFigureOut">
               <a:rPr lang="en-US" smtClean="0"/>
-              <a:t>9/16/2024</a:t>
+              <a:t>9/17/2024</a:t>
             </a:fld>
             <a:endParaRPr lang="en-US"/>
           </a:p>
@@ -1833,7 +1847,7 @@
           <a:p>
             <a:fld id="{F28A4246-F2A7-4220-A405-8A96DAE08D6A}" type="datetimeFigureOut">
               <a:rPr lang="en-US" smtClean="0"/>
-              <a:t>9/16/2024</a:t>
+              <a:t>9/17/2024</a:t>
             </a:fld>
             <a:endParaRPr lang="en-US"/>
           </a:p>
@@ -2110,7 +2124,7 @@
           <a:p>
             <a:fld id="{F28A4246-F2A7-4220-A405-8A96DAE08D6A}" type="datetimeFigureOut">
               <a:rPr lang="en-US" smtClean="0"/>
-              <a:t>9/16/2024</a:t>
+              <a:t>9/17/2024</a:t>
             </a:fld>
             <a:endParaRPr lang="en-US"/>
           </a:p>
@@ -2367,7 +2381,7 @@
           <a:p>
             <a:fld id="{F28A4246-F2A7-4220-A405-8A96DAE08D6A}" type="datetimeFigureOut">
               <a:rPr lang="en-US" smtClean="0"/>
-              <a:t>9/16/2024</a:t>
+              <a:t>9/17/2024</a:t>
             </a:fld>
             <a:endParaRPr lang="en-US"/>
           </a:p>
@@ -2580,7 +2594,7 @@
           <a:p>
             <a:fld id="{F28A4246-F2A7-4220-A405-8A96DAE08D6A}" type="datetimeFigureOut">
               <a:rPr lang="en-US" smtClean="0"/>
-              <a:t>9/16/2024</a:t>
+              <a:t>9/17/2024</a:t>
             </a:fld>
             <a:endParaRPr lang="en-US"/>
           </a:p>
@@ -3685,6 +3699,863 @@
 </p:sld>
 </file>
 
+<file path=ppt/slides/slide14.xml><?xml version="1.0" encoding="utf-8"?>
+<p:sld xmlns:a="http://schemas.openxmlformats.org/drawingml/2006/main" xmlns:r="http://schemas.openxmlformats.org/officeDocument/2006/relationships" xmlns:p="http://schemas.openxmlformats.org/presentationml/2006/main">
+  <p:cSld>
+    <p:spTree>
+      <p:nvGrpSpPr>
+        <p:cNvPr id="1" name=""/>
+        <p:cNvGrpSpPr/>
+        <p:nvPr/>
+      </p:nvGrpSpPr>
+      <p:grpSpPr>
+        <a:xfrm>
+          <a:off x="0" y="0"/>
+          <a:ext cx="0" cy="0"/>
+          <a:chOff x="0" y="0"/>
+          <a:chExt cx="0" cy="0"/>
+        </a:xfrm>
+      </p:grpSpPr>
+      <p:sp>
+        <p:nvSpPr>
+          <p:cNvPr id="2" name="Title 1">
+            <a:extLst>
+              <a:ext uri="{FF2B5EF4-FFF2-40B4-BE49-F238E27FC236}">
+                <a16:creationId xmlns:a16="http://schemas.microsoft.com/office/drawing/2014/main" id="{12A9D5F3-0B31-017B-C087-0236127660F3}"/>
+              </a:ext>
+            </a:extLst>
+          </p:cNvPr>
+          <p:cNvSpPr>
+            <a:spLocks noGrp="1"/>
+          </p:cNvSpPr>
+          <p:nvPr>
+            <p:ph type="title"/>
+          </p:nvPr>
+        </p:nvSpPr>
+        <p:spPr/>
+        <p:txBody>
+          <a:bodyPr/>
+          <a:lstStyle/>
+          <a:p>
+            <a:r>
+              <a:rPr lang="en-US" dirty="0"/>
+              <a:t>Predefined functions!</a:t>
+            </a:r>
+          </a:p>
+        </p:txBody>
+      </p:sp>
+      <p:sp>
+        <p:nvSpPr>
+          <p:cNvPr id="3" name="Content Placeholder 2">
+            <a:extLst>
+              <a:ext uri="{FF2B5EF4-FFF2-40B4-BE49-F238E27FC236}">
+                <a16:creationId xmlns:a16="http://schemas.microsoft.com/office/drawing/2014/main" id="{34D766E6-9831-900B-987A-A2D24A91F77C}"/>
+              </a:ext>
+            </a:extLst>
+          </p:cNvPr>
+          <p:cNvSpPr>
+            <a:spLocks noGrp="1"/>
+          </p:cNvSpPr>
+          <p:nvPr>
+            <p:ph idx="1"/>
+          </p:nvPr>
+        </p:nvSpPr>
+        <p:spPr/>
+        <p:txBody>
+          <a:bodyPr/>
+          <a:lstStyle/>
+          <a:p>
+            <a:r>
+              <a:rPr lang="en-US" dirty="0" err="1"/>
+              <a:t>parseInt</a:t>
+            </a:r>
+            <a:r>
+              <a:rPr lang="en-US" dirty="0"/>
+              <a:t>()</a:t>
+            </a:r>
+          </a:p>
+          <a:p>
+            <a:r>
+              <a:rPr lang="en-US" dirty="0" err="1"/>
+              <a:t>parseFloat</a:t>
+            </a:r>
+            <a:r>
+              <a:rPr lang="en-US" dirty="0"/>
+              <a:t>()</a:t>
+            </a:r>
+          </a:p>
+          <a:p>
+            <a:r>
+              <a:rPr lang="en-US" dirty="0" err="1"/>
+              <a:t>isNan</a:t>
+            </a:r>
+            <a:endParaRPr lang="en-US" dirty="0"/>
+          </a:p>
+          <a:p>
+            <a:r>
+              <a:rPr lang="en-US" dirty="0"/>
+              <a:t>console</a:t>
+            </a:r>
+          </a:p>
+          <a:p>
+            <a:r>
+              <a:rPr lang="en-US" dirty="0"/>
+              <a:t>Math</a:t>
+            </a:r>
+          </a:p>
+          <a:p>
+            <a:r>
+              <a:rPr lang="en-US" dirty="0"/>
+              <a:t>Date</a:t>
+            </a:r>
+          </a:p>
+          <a:p>
+            <a:endParaRPr lang="en-US" dirty="0"/>
+          </a:p>
+        </p:txBody>
+      </p:sp>
+    </p:spTree>
+    <p:extLst>
+      <p:ext uri="{BB962C8B-B14F-4D97-AF65-F5344CB8AC3E}">
+        <p14:creationId xmlns:p14="http://schemas.microsoft.com/office/powerpoint/2010/main" val="555051123"/>
+      </p:ext>
+    </p:extLst>
+  </p:cSld>
+  <p:clrMapOvr>
+    <a:masterClrMapping/>
+  </p:clrMapOvr>
+</p:sld>
+</file>
+
+<file path=ppt/slides/slide15.xml><?xml version="1.0" encoding="utf-8"?>
+<p:sld xmlns:a="http://schemas.openxmlformats.org/drawingml/2006/main" xmlns:r="http://schemas.openxmlformats.org/officeDocument/2006/relationships" xmlns:p="http://schemas.openxmlformats.org/presentationml/2006/main">
+  <p:cSld>
+    <p:spTree>
+      <p:nvGrpSpPr>
+        <p:cNvPr id="1" name=""/>
+        <p:cNvGrpSpPr/>
+        <p:nvPr/>
+      </p:nvGrpSpPr>
+      <p:grpSpPr>
+        <a:xfrm>
+          <a:off x="0" y="0"/>
+          <a:ext cx="0" cy="0"/>
+          <a:chOff x="0" y="0"/>
+          <a:chExt cx="0" cy="0"/>
+        </a:xfrm>
+      </p:grpSpPr>
+      <p:sp>
+        <p:nvSpPr>
+          <p:cNvPr id="2" name="Title 1">
+            <a:extLst>
+              <a:ext uri="{FF2B5EF4-FFF2-40B4-BE49-F238E27FC236}">
+                <a16:creationId xmlns:a16="http://schemas.microsoft.com/office/drawing/2014/main" id="{B7DA4D99-B6BC-E0ED-92BE-5B76CCC985FA}"/>
+              </a:ext>
+            </a:extLst>
+          </p:cNvPr>
+          <p:cNvSpPr>
+            <a:spLocks noGrp="1"/>
+          </p:cNvSpPr>
+          <p:nvPr>
+            <p:ph type="title"/>
+          </p:nvPr>
+        </p:nvSpPr>
+        <p:spPr/>
+        <p:txBody>
+          <a:bodyPr/>
+          <a:lstStyle/>
+          <a:p>
+            <a:r>
+              <a:rPr lang="en-US" dirty="0"/>
+              <a:t>Scope – var &amp; let &amp; const</a:t>
+            </a:r>
+          </a:p>
+        </p:txBody>
+      </p:sp>
+      <p:sp>
+        <p:nvSpPr>
+          <p:cNvPr id="3" name="Content Placeholder 2">
+            <a:extLst>
+              <a:ext uri="{FF2B5EF4-FFF2-40B4-BE49-F238E27FC236}">
+                <a16:creationId xmlns:a16="http://schemas.microsoft.com/office/drawing/2014/main" id="{090B6BFB-3A06-00C6-8D3A-30243A3B058D}"/>
+              </a:ext>
+            </a:extLst>
+          </p:cNvPr>
+          <p:cNvSpPr>
+            <a:spLocks noGrp="1"/>
+          </p:cNvSpPr>
+          <p:nvPr>
+            <p:ph idx="1"/>
+          </p:nvPr>
+        </p:nvSpPr>
+        <p:spPr/>
+        <p:txBody>
+          <a:bodyPr/>
+          <a:lstStyle/>
+          <a:p>
+            <a:pPr marL="0" indent="0">
+              <a:buNone/>
+            </a:pPr>
+            <a:r>
+              <a:rPr lang="en-US" dirty="0"/>
+              <a:t>var is a function level scope</a:t>
+            </a:r>
+          </a:p>
+          <a:p>
+            <a:pPr marL="0" indent="0">
+              <a:buNone/>
+            </a:pPr>
+            <a:endParaRPr lang="en-US" dirty="0"/>
+          </a:p>
+          <a:p>
+            <a:pPr marL="0" indent="0">
+              <a:buNone/>
+            </a:pPr>
+            <a:endParaRPr lang="en-US" dirty="0"/>
+          </a:p>
+          <a:p>
+            <a:pPr marL="0" indent="0">
+              <a:buNone/>
+            </a:pPr>
+            <a:r>
+              <a:rPr lang="en-US" dirty="0"/>
+              <a:t>let is a block level scope</a:t>
+            </a:r>
+          </a:p>
+          <a:p>
+            <a:pPr marL="0" indent="0">
+              <a:buNone/>
+            </a:pPr>
+            <a:endParaRPr lang="en-US" dirty="0"/>
+          </a:p>
+          <a:p>
+            <a:pPr marL="0" indent="0">
+              <a:buNone/>
+            </a:pPr>
+            <a:endParaRPr lang="en-US" dirty="0"/>
+          </a:p>
+        </p:txBody>
+      </p:sp>
+    </p:spTree>
+    <p:extLst>
+      <p:ext uri="{BB962C8B-B14F-4D97-AF65-F5344CB8AC3E}">
+        <p14:creationId xmlns:p14="http://schemas.microsoft.com/office/powerpoint/2010/main" val="4125449063"/>
+      </p:ext>
+    </p:extLst>
+  </p:cSld>
+  <p:clrMapOvr>
+    <a:masterClrMapping/>
+  </p:clrMapOvr>
+</p:sld>
+</file>
+
+<file path=ppt/slides/slide16.xml><?xml version="1.0" encoding="utf-8"?>
+<p:sld xmlns:a="http://schemas.openxmlformats.org/drawingml/2006/main" xmlns:r="http://schemas.openxmlformats.org/officeDocument/2006/relationships" xmlns:p="http://schemas.openxmlformats.org/presentationml/2006/main">
+  <p:cSld>
+    <p:spTree>
+      <p:nvGrpSpPr>
+        <p:cNvPr id="1" name=""/>
+        <p:cNvGrpSpPr/>
+        <p:nvPr/>
+      </p:nvGrpSpPr>
+      <p:grpSpPr>
+        <a:xfrm>
+          <a:off x="0" y="0"/>
+          <a:ext cx="0" cy="0"/>
+          <a:chOff x="0" y="0"/>
+          <a:chExt cx="0" cy="0"/>
+        </a:xfrm>
+      </p:grpSpPr>
+      <p:sp>
+        <p:nvSpPr>
+          <p:cNvPr id="2" name="Title 1">
+            <a:extLst>
+              <a:ext uri="{FF2B5EF4-FFF2-40B4-BE49-F238E27FC236}">
+                <a16:creationId xmlns:a16="http://schemas.microsoft.com/office/drawing/2014/main" id="{5A2A1901-A112-0ABE-A06F-B22934BED50A}"/>
+              </a:ext>
+            </a:extLst>
+          </p:cNvPr>
+          <p:cNvSpPr>
+            <a:spLocks noGrp="1"/>
+          </p:cNvSpPr>
+          <p:nvPr>
+            <p:ph type="title"/>
+          </p:nvPr>
+        </p:nvSpPr>
+        <p:spPr/>
+        <p:txBody>
+          <a:bodyPr/>
+          <a:lstStyle/>
+          <a:p>
+            <a:r>
+              <a:rPr lang="en-US" dirty="0"/>
+              <a:t>var</a:t>
+            </a:r>
+          </a:p>
+        </p:txBody>
+      </p:sp>
+      <p:sp>
+        <p:nvSpPr>
+          <p:cNvPr id="3" name="Content Placeholder 2">
+            <a:extLst>
+              <a:ext uri="{FF2B5EF4-FFF2-40B4-BE49-F238E27FC236}">
+                <a16:creationId xmlns:a16="http://schemas.microsoft.com/office/drawing/2014/main" id="{DC80BDB6-DF61-9F86-9764-838F288ED311}"/>
+              </a:ext>
+            </a:extLst>
+          </p:cNvPr>
+          <p:cNvSpPr>
+            <a:spLocks noGrp="1"/>
+          </p:cNvSpPr>
+          <p:nvPr>
+            <p:ph idx="1"/>
+          </p:nvPr>
+        </p:nvSpPr>
+        <p:spPr/>
+        <p:txBody>
+          <a:bodyPr>
+            <a:normAutofit lnSpcReduction="10000"/>
+          </a:bodyPr>
+          <a:lstStyle/>
+          <a:p>
+            <a:pPr marL="0" indent="0">
+              <a:buNone/>
+            </a:pPr>
+            <a:r>
+              <a:rPr lang="en-US" dirty="0"/>
+              <a:t>function main() {</a:t>
+            </a:r>
+          </a:p>
+          <a:p>
+            <a:pPr marL="0" indent="0">
+              <a:buNone/>
+            </a:pPr>
+            <a:r>
+              <a:rPr lang="en-US" dirty="0"/>
+              <a:t>    {</a:t>
+            </a:r>
+          </a:p>
+          <a:p>
+            <a:pPr marL="0" indent="0">
+              <a:buNone/>
+            </a:pPr>
+            <a:r>
+              <a:rPr lang="en-US" dirty="0"/>
+              <a:t>        var x = 10;     // x is declared in a block, but is scoped to `main`</a:t>
+            </a:r>
+          </a:p>
+          <a:p>
+            <a:pPr marL="0" indent="0">
+              <a:buNone/>
+            </a:pPr>
+            <a:r>
+              <a:rPr lang="en-US" dirty="0"/>
+              <a:t>    }</a:t>
+            </a:r>
+          </a:p>
+          <a:p>
+            <a:pPr marL="0" indent="0">
+              <a:buNone/>
+            </a:pPr>
+            <a:r>
+              <a:rPr lang="en-US" dirty="0"/>
+              <a:t>    {</a:t>
+            </a:r>
+          </a:p>
+          <a:p>
+            <a:pPr marL="0" indent="0">
+              <a:buNone/>
+            </a:pPr>
+            <a:r>
+              <a:rPr lang="en-US" dirty="0"/>
+              <a:t>        console.log(x); // works, because `x` is accessible everywhere 	in `main`</a:t>
+            </a:r>
+          </a:p>
+          <a:p>
+            <a:pPr marL="0" indent="0">
+              <a:buNone/>
+            </a:pPr>
+            <a:r>
+              <a:rPr lang="en-US" dirty="0"/>
+              <a:t>    }</a:t>
+            </a:r>
+          </a:p>
+          <a:p>
+            <a:pPr marL="0" indent="0">
+              <a:buNone/>
+            </a:pPr>
+            <a:r>
+              <a:rPr lang="en-US" dirty="0"/>
+              <a:t>}</a:t>
+            </a:r>
+          </a:p>
+        </p:txBody>
+      </p:sp>
+    </p:spTree>
+    <p:extLst>
+      <p:ext uri="{BB962C8B-B14F-4D97-AF65-F5344CB8AC3E}">
+        <p14:creationId xmlns:p14="http://schemas.microsoft.com/office/powerpoint/2010/main" val="764319402"/>
+      </p:ext>
+    </p:extLst>
+  </p:cSld>
+  <p:clrMapOvr>
+    <a:masterClrMapping/>
+  </p:clrMapOvr>
+</p:sld>
+</file>
+
+<file path=ppt/slides/slide17.xml><?xml version="1.0" encoding="utf-8"?>
+<p:sld xmlns:a="http://schemas.openxmlformats.org/drawingml/2006/main" xmlns:r="http://schemas.openxmlformats.org/officeDocument/2006/relationships" xmlns:p="http://schemas.openxmlformats.org/presentationml/2006/main">
+  <p:cSld>
+    <p:spTree>
+      <p:nvGrpSpPr>
+        <p:cNvPr id="1" name=""/>
+        <p:cNvGrpSpPr/>
+        <p:nvPr/>
+      </p:nvGrpSpPr>
+      <p:grpSpPr>
+        <a:xfrm>
+          <a:off x="0" y="0"/>
+          <a:ext cx="0" cy="0"/>
+          <a:chOff x="0" y="0"/>
+          <a:chExt cx="0" cy="0"/>
+        </a:xfrm>
+      </p:grpSpPr>
+      <p:sp>
+        <p:nvSpPr>
+          <p:cNvPr id="2" name="Title 1">
+            <a:extLst>
+              <a:ext uri="{FF2B5EF4-FFF2-40B4-BE49-F238E27FC236}">
+                <a16:creationId xmlns:a16="http://schemas.microsoft.com/office/drawing/2014/main" id="{217AE827-24AA-8EB4-E7BF-7E9E24D6A505}"/>
+              </a:ext>
+            </a:extLst>
+          </p:cNvPr>
+          <p:cNvSpPr>
+            <a:spLocks noGrp="1"/>
+          </p:cNvSpPr>
+          <p:nvPr>
+            <p:ph type="title"/>
+          </p:nvPr>
+        </p:nvSpPr>
+        <p:spPr/>
+        <p:txBody>
+          <a:bodyPr/>
+          <a:lstStyle/>
+          <a:p>
+            <a:r>
+              <a:rPr lang="en-US" dirty="0"/>
+              <a:t>Hoisting</a:t>
+            </a:r>
+          </a:p>
+        </p:txBody>
+      </p:sp>
+      <p:sp>
+        <p:nvSpPr>
+          <p:cNvPr id="3" name="Content Placeholder 2">
+            <a:extLst>
+              <a:ext uri="{FF2B5EF4-FFF2-40B4-BE49-F238E27FC236}">
+                <a16:creationId xmlns:a16="http://schemas.microsoft.com/office/drawing/2014/main" id="{382A5183-D1C8-C878-E436-0F26D89E8584}"/>
+              </a:ext>
+            </a:extLst>
+          </p:cNvPr>
+          <p:cNvSpPr>
+            <a:spLocks noGrp="1"/>
+          </p:cNvSpPr>
+          <p:nvPr>
+            <p:ph idx="1"/>
+          </p:nvPr>
+        </p:nvSpPr>
+        <p:spPr/>
+        <p:txBody>
+          <a:bodyPr/>
+          <a:lstStyle/>
+          <a:p>
+            <a:r>
+              <a:rPr lang="en-US" dirty="0"/>
+              <a:t>JavaScript will hoist or raise all variables declared with var in a function to the top of the function’s scope</a:t>
+            </a:r>
+          </a:p>
+          <a:p>
+            <a:pPr marL="0" indent="0">
+              <a:buNone/>
+            </a:pPr>
+            <a:endParaRPr lang="en-US" dirty="0"/>
+          </a:p>
+          <a:p>
+            <a:pPr marL="0" indent="0">
+              <a:buNone/>
+            </a:pPr>
+            <a:r>
+              <a:rPr lang="en-US" dirty="0"/>
+              <a:t>function f() {</a:t>
+            </a:r>
+          </a:p>
+          <a:p>
+            <a:pPr marL="0" indent="0">
+              <a:buNone/>
+            </a:pPr>
+            <a:r>
+              <a:rPr lang="en-US" dirty="0"/>
+              <a:t>    var y = x + 1;</a:t>
+            </a:r>
+          </a:p>
+          <a:p>
+            <a:pPr marL="0" indent="0">
+              <a:buNone/>
+            </a:pPr>
+            <a:r>
+              <a:rPr lang="en-US" dirty="0"/>
+              <a:t>    var x = 2;</a:t>
+            </a:r>
+          </a:p>
+          <a:p>
+            <a:pPr marL="0" indent="0">
+              <a:buNone/>
+            </a:pPr>
+            <a:r>
+              <a:rPr lang="en-US" dirty="0"/>
+              <a:t>}</a:t>
+            </a:r>
+          </a:p>
+          <a:p>
+            <a:pPr marL="0" indent="0">
+              <a:buNone/>
+            </a:pPr>
+            <a:endParaRPr lang="en-US" dirty="0"/>
+          </a:p>
+        </p:txBody>
+      </p:sp>
+    </p:spTree>
+    <p:extLst>
+      <p:ext uri="{BB962C8B-B14F-4D97-AF65-F5344CB8AC3E}">
+        <p14:creationId xmlns:p14="http://schemas.microsoft.com/office/powerpoint/2010/main" val="323823922"/>
+      </p:ext>
+    </p:extLst>
+  </p:cSld>
+  <p:clrMapOvr>
+    <a:masterClrMapping/>
+  </p:clrMapOvr>
+</p:sld>
+</file>
+
+<file path=ppt/slides/slide18.xml><?xml version="1.0" encoding="utf-8"?>
+<p:sld xmlns:a="http://schemas.openxmlformats.org/drawingml/2006/main" xmlns:r="http://schemas.openxmlformats.org/officeDocument/2006/relationships" xmlns:p="http://schemas.openxmlformats.org/presentationml/2006/main">
+  <p:cSld>
+    <p:spTree>
+      <p:nvGrpSpPr>
+        <p:cNvPr id="1" name=""/>
+        <p:cNvGrpSpPr/>
+        <p:nvPr/>
+      </p:nvGrpSpPr>
+      <p:grpSpPr>
+        <a:xfrm>
+          <a:off x="0" y="0"/>
+          <a:ext cx="0" cy="0"/>
+          <a:chOff x="0" y="0"/>
+          <a:chExt cx="0" cy="0"/>
+        </a:xfrm>
+      </p:grpSpPr>
+      <p:sp>
+        <p:nvSpPr>
+          <p:cNvPr id="2" name="Title 1">
+            <a:extLst>
+              <a:ext uri="{FF2B5EF4-FFF2-40B4-BE49-F238E27FC236}">
+                <a16:creationId xmlns:a16="http://schemas.microsoft.com/office/drawing/2014/main" id="{29814D14-CBF4-B0B4-28CB-950571633CC1}"/>
+              </a:ext>
+            </a:extLst>
+          </p:cNvPr>
+          <p:cNvSpPr>
+            <a:spLocks noGrp="1"/>
+          </p:cNvSpPr>
+          <p:nvPr>
+            <p:ph type="title"/>
+          </p:nvPr>
+        </p:nvSpPr>
+        <p:spPr/>
+        <p:txBody>
+          <a:bodyPr/>
+          <a:lstStyle/>
+          <a:p>
+            <a:r>
+              <a:rPr lang="en-US" dirty="0"/>
+              <a:t>At run time</a:t>
+            </a:r>
+          </a:p>
+        </p:txBody>
+      </p:sp>
+      <p:sp>
+        <p:nvSpPr>
+          <p:cNvPr id="3" name="Content Placeholder 2">
+            <a:extLst>
+              <a:ext uri="{FF2B5EF4-FFF2-40B4-BE49-F238E27FC236}">
+                <a16:creationId xmlns:a16="http://schemas.microsoft.com/office/drawing/2014/main" id="{3980A351-3484-D001-FD6B-F6ECB7A4E650}"/>
+              </a:ext>
+            </a:extLst>
+          </p:cNvPr>
+          <p:cNvSpPr>
+            <a:spLocks noGrp="1"/>
+          </p:cNvSpPr>
+          <p:nvPr>
+            <p:ph idx="1"/>
+          </p:nvPr>
+        </p:nvSpPr>
+        <p:spPr/>
+        <p:txBody>
+          <a:bodyPr/>
+          <a:lstStyle/>
+          <a:p>
+            <a:pPr marL="0" indent="0">
+              <a:buNone/>
+            </a:pPr>
+            <a:r>
+              <a:rPr lang="en-US" dirty="0"/>
+              <a:t>function f() {</a:t>
+            </a:r>
+          </a:p>
+          <a:p>
+            <a:pPr marL="0" indent="0">
+              <a:buNone/>
+            </a:pPr>
+            <a:r>
+              <a:rPr lang="en-US" dirty="0"/>
+              <a:t>    var x;          // declaration is hoisted (but not assignment) to the top</a:t>
+            </a:r>
+          </a:p>
+          <a:p>
+            <a:pPr marL="0" indent="0">
+              <a:buNone/>
+            </a:pPr>
+            <a:endParaRPr lang="en-US" dirty="0"/>
+          </a:p>
+          <a:p>
+            <a:pPr marL="0" indent="0">
+              <a:buNone/>
+            </a:pPr>
+            <a:r>
+              <a:rPr lang="en-US" dirty="0"/>
+              <a:t>    var y = x + 1;  // `</a:t>
+            </a:r>
+            <a:r>
+              <a:rPr lang="en-US" dirty="0" err="1"/>
+              <a:t>NaN</a:t>
+            </a:r>
+            <a:r>
+              <a:rPr lang="en-US" dirty="0"/>
+              <a:t>`, since `undefined` + 1 can't be resolved</a:t>
+            </a:r>
+          </a:p>
+          <a:p>
+            <a:pPr marL="0" indent="0">
+              <a:buNone/>
+            </a:pPr>
+            <a:r>
+              <a:rPr lang="en-US" dirty="0"/>
+              <a:t>    x = 2;          // note: `x` is not declared above, only the assignment is now here</a:t>
+            </a:r>
+          </a:p>
+        </p:txBody>
+      </p:sp>
+    </p:spTree>
+    <p:extLst>
+      <p:ext uri="{BB962C8B-B14F-4D97-AF65-F5344CB8AC3E}">
+        <p14:creationId xmlns:p14="http://schemas.microsoft.com/office/powerpoint/2010/main" val="2539407467"/>
+      </p:ext>
+    </p:extLst>
+  </p:cSld>
+  <p:clrMapOvr>
+    <a:masterClrMapping/>
+  </p:clrMapOvr>
+</p:sld>
+</file>
+
+<file path=ppt/slides/slide19.xml><?xml version="1.0" encoding="utf-8"?>
+<p:sld xmlns:a="http://schemas.openxmlformats.org/drawingml/2006/main" xmlns:r="http://schemas.openxmlformats.org/officeDocument/2006/relationships" xmlns:p="http://schemas.openxmlformats.org/presentationml/2006/main">
+  <p:cSld>
+    <p:spTree>
+      <p:nvGrpSpPr>
+        <p:cNvPr id="1" name=""/>
+        <p:cNvGrpSpPr/>
+        <p:nvPr/>
+      </p:nvGrpSpPr>
+      <p:grpSpPr>
+        <a:xfrm>
+          <a:off x="0" y="0"/>
+          <a:ext cx="0" cy="0"/>
+          <a:chOff x="0" y="0"/>
+          <a:chExt cx="0" cy="0"/>
+        </a:xfrm>
+      </p:grpSpPr>
+      <p:sp>
+        <p:nvSpPr>
+          <p:cNvPr id="2" name="Title 1">
+            <a:extLst>
+              <a:ext uri="{FF2B5EF4-FFF2-40B4-BE49-F238E27FC236}">
+                <a16:creationId xmlns:a16="http://schemas.microsoft.com/office/drawing/2014/main" id="{378D0A09-3E48-F341-1E98-649F87BDF4B1}"/>
+              </a:ext>
+            </a:extLst>
+          </p:cNvPr>
+          <p:cNvSpPr>
+            <a:spLocks noGrp="1"/>
+          </p:cNvSpPr>
+          <p:nvPr>
+            <p:ph type="title"/>
+          </p:nvPr>
+        </p:nvSpPr>
+        <p:spPr/>
+        <p:txBody>
+          <a:bodyPr/>
+          <a:lstStyle/>
+          <a:p>
+            <a:r>
+              <a:rPr lang="en-US" dirty="0"/>
+              <a:t>Also, if we forget to declare a local variable?</a:t>
+            </a:r>
+          </a:p>
+        </p:txBody>
+      </p:sp>
+      <p:sp>
+        <p:nvSpPr>
+          <p:cNvPr id="3" name="Content Placeholder 2">
+            <a:extLst>
+              <a:ext uri="{FF2B5EF4-FFF2-40B4-BE49-F238E27FC236}">
+                <a16:creationId xmlns:a16="http://schemas.microsoft.com/office/drawing/2014/main" id="{3E744C61-9451-73DA-DE75-29129B28A9D2}"/>
+              </a:ext>
+            </a:extLst>
+          </p:cNvPr>
+          <p:cNvSpPr>
+            <a:spLocks noGrp="1"/>
+          </p:cNvSpPr>
+          <p:nvPr>
+            <p:ph idx="1"/>
+          </p:nvPr>
+        </p:nvSpPr>
+        <p:spPr>
+          <a:xfrm>
+            <a:off x="838200" y="1825625"/>
+            <a:ext cx="10515600" cy="4899640"/>
+          </a:xfrm>
+        </p:spPr>
+        <p:txBody>
+          <a:bodyPr>
+            <a:normAutofit fontScale="85000" lnSpcReduction="20000"/>
+          </a:bodyPr>
+          <a:lstStyle/>
+          <a:p>
+            <a:pPr marL="0" indent="0">
+              <a:buNone/>
+            </a:pPr>
+            <a:r>
+              <a:rPr lang="en-US" dirty="0"/>
+              <a:t>function f() {</a:t>
+            </a:r>
+          </a:p>
+          <a:p>
+            <a:pPr marL="0" indent="0">
+              <a:buNone/>
+            </a:pPr>
+            <a:r>
+              <a:rPr lang="en-US" dirty="0"/>
+              <a:t>    x = 2;          // `x` is assigned a value, but not declared </a:t>
+            </a:r>
+          </a:p>
+          <a:p>
+            <a:pPr marL="0" indent="0">
+              <a:buNone/>
+            </a:pPr>
+            <a:r>
+              <a:rPr lang="en-US" dirty="0"/>
+              <a:t>    return x + 1;</a:t>
+            </a:r>
+          </a:p>
+          <a:p>
+            <a:pPr marL="0" indent="0">
+              <a:buNone/>
+            </a:pPr>
+            <a:r>
+              <a:rPr lang="en-US" dirty="0"/>
+              <a:t>}</a:t>
+            </a:r>
+          </a:p>
+          <a:p>
+            <a:pPr marL="0" indent="0">
+              <a:buNone/>
+            </a:pPr>
+            <a:r>
+              <a:rPr lang="en-US" dirty="0"/>
+              <a:t>At runtime, this will be transformed into the following:</a:t>
+            </a:r>
+          </a:p>
+          <a:p>
+            <a:pPr marL="0" indent="0">
+              <a:buNone/>
+            </a:pPr>
+            <a:endParaRPr lang="en-US" dirty="0"/>
+          </a:p>
+          <a:p>
+            <a:pPr marL="0" indent="0">
+              <a:buNone/>
+            </a:pPr>
+            <a:r>
+              <a:rPr lang="en-US" dirty="0"/>
+              <a:t>var x;              // `x` is not found in the scope of `f`, so it becomes global</a:t>
+            </a:r>
+          </a:p>
+          <a:p>
+            <a:pPr marL="0" indent="0">
+              <a:buNone/>
+            </a:pPr>
+            <a:endParaRPr lang="en-US" dirty="0"/>
+          </a:p>
+          <a:p>
+            <a:pPr marL="0" indent="0">
+              <a:buNone/>
+            </a:pPr>
+            <a:r>
+              <a:rPr lang="en-US" dirty="0"/>
+              <a:t>function f() {</a:t>
+            </a:r>
+          </a:p>
+          <a:p>
+            <a:pPr marL="0" indent="0">
+              <a:buNone/>
+            </a:pPr>
+            <a:r>
+              <a:rPr lang="en-US" dirty="0"/>
+              <a:t>    x = 2;</a:t>
+            </a:r>
+          </a:p>
+          <a:p>
+            <a:pPr marL="0" indent="0">
+              <a:buNone/>
+            </a:pPr>
+            <a:r>
+              <a:rPr lang="en-US" dirty="0"/>
+              <a:t>    return x + 1;</a:t>
+            </a:r>
+          </a:p>
+          <a:p>
+            <a:pPr marL="0" indent="0">
+              <a:buNone/>
+            </a:pPr>
+            <a:r>
+              <a:rPr lang="en-US" dirty="0"/>
+              <a:t>}</a:t>
+            </a:r>
+          </a:p>
+        </p:txBody>
+      </p:sp>
+    </p:spTree>
+    <p:extLst>
+      <p:ext uri="{BB962C8B-B14F-4D97-AF65-F5344CB8AC3E}">
+        <p14:creationId xmlns:p14="http://schemas.microsoft.com/office/powerpoint/2010/main" val="2094814707"/>
+      </p:ext>
+    </p:extLst>
+  </p:cSld>
+  <p:clrMapOvr>
+    <a:masterClrMapping/>
+  </p:clrMapOvr>
+</p:sld>
+</file>
+
 <file path=ppt/slides/slide2.xml><?xml version="1.0" encoding="utf-8"?>
 <p:sld xmlns:a="http://schemas.openxmlformats.org/drawingml/2006/main" xmlns:r="http://schemas.openxmlformats.org/officeDocument/2006/relationships" xmlns:p="http://schemas.openxmlformats.org/presentationml/2006/main">
   <p:cSld>
@@ -3874,6 +4745,1146 @@
     <p:extLst>
       <p:ext uri="{BB962C8B-B14F-4D97-AF65-F5344CB8AC3E}">
         <p14:creationId xmlns:p14="http://schemas.microsoft.com/office/powerpoint/2010/main" val="3911012905"/>
+      </p:ext>
+    </p:extLst>
+  </p:cSld>
+  <p:clrMapOvr>
+    <a:masterClrMapping/>
+  </p:clrMapOvr>
+</p:sld>
+</file>
+
+<file path=ppt/slides/slide20.xml><?xml version="1.0" encoding="utf-8"?>
+<p:sld xmlns:a="http://schemas.openxmlformats.org/drawingml/2006/main" xmlns:r="http://schemas.openxmlformats.org/officeDocument/2006/relationships" xmlns:p="http://schemas.openxmlformats.org/presentationml/2006/main">
+  <p:cSld>
+    <p:spTree>
+      <p:nvGrpSpPr>
+        <p:cNvPr id="1" name=""/>
+        <p:cNvGrpSpPr/>
+        <p:nvPr/>
+      </p:nvGrpSpPr>
+      <p:grpSpPr>
+        <a:xfrm>
+          <a:off x="0" y="0"/>
+          <a:ext cx="0" cy="0"/>
+          <a:chOff x="0" y="0"/>
+          <a:chExt cx="0" cy="0"/>
+        </a:xfrm>
+      </p:grpSpPr>
+      <p:sp>
+        <p:nvSpPr>
+          <p:cNvPr id="2" name="Title 1">
+            <a:extLst>
+              <a:ext uri="{FF2B5EF4-FFF2-40B4-BE49-F238E27FC236}">
+                <a16:creationId xmlns:a16="http://schemas.microsoft.com/office/drawing/2014/main" id="{B933572A-8A0F-5ECB-53CA-0D0C35E72962}"/>
+              </a:ext>
+            </a:extLst>
+          </p:cNvPr>
+          <p:cNvSpPr>
+            <a:spLocks noGrp="1"/>
+          </p:cNvSpPr>
+          <p:nvPr>
+            <p:ph type="title"/>
+          </p:nvPr>
+        </p:nvSpPr>
+        <p:spPr/>
+        <p:txBody>
+          <a:bodyPr/>
+          <a:lstStyle/>
+          <a:p>
+            <a:r>
+              <a:rPr lang="en-US" dirty="0"/>
+              <a:t>Important fact here!</a:t>
+            </a:r>
+          </a:p>
+        </p:txBody>
+      </p:sp>
+      <p:sp>
+        <p:nvSpPr>
+          <p:cNvPr id="3" name="Content Placeholder 2">
+            <a:extLst>
+              <a:ext uri="{FF2B5EF4-FFF2-40B4-BE49-F238E27FC236}">
+                <a16:creationId xmlns:a16="http://schemas.microsoft.com/office/drawing/2014/main" id="{67F84E04-4624-8328-2655-BF9E0BF9E738}"/>
+              </a:ext>
+            </a:extLst>
+          </p:cNvPr>
+          <p:cNvSpPr>
+            <a:spLocks noGrp="1"/>
+          </p:cNvSpPr>
+          <p:nvPr>
+            <p:ph idx="1"/>
+          </p:nvPr>
+        </p:nvSpPr>
+        <p:spPr/>
+        <p:txBody>
+          <a:bodyPr/>
+          <a:lstStyle/>
+          <a:p>
+            <a:r>
+              <a:rPr lang="en-US" dirty="0"/>
+              <a:t>The previous example introduces another important concept with JavaScript scopes, namely, that scopes can be nested within one another. </a:t>
+            </a:r>
+          </a:p>
+          <a:p>
+            <a:r>
+              <a:rPr lang="en-US" dirty="0"/>
+              <a:t>Hoisting is moving variable declarations to the beginning of a scope.</a:t>
+            </a:r>
+          </a:p>
+          <a:p>
+            <a:r>
+              <a:rPr lang="en-US" dirty="0"/>
+              <a:t>For example, function declarations are hoisted completely, which means we can call a function before we declare it.</a:t>
+            </a:r>
+          </a:p>
+        </p:txBody>
+      </p:sp>
+    </p:spTree>
+    <p:extLst>
+      <p:ext uri="{BB962C8B-B14F-4D97-AF65-F5344CB8AC3E}">
+        <p14:creationId xmlns:p14="http://schemas.microsoft.com/office/powerpoint/2010/main" val="2493873124"/>
+      </p:ext>
+    </p:extLst>
+  </p:cSld>
+  <p:clrMapOvr>
+    <a:masterClrMapping/>
+  </p:clrMapOvr>
+</p:sld>
+</file>
+
+<file path=ppt/slides/slide21.xml><?xml version="1.0" encoding="utf-8"?>
+<p:sld xmlns:a="http://schemas.openxmlformats.org/drawingml/2006/main" xmlns:r="http://schemas.openxmlformats.org/officeDocument/2006/relationships" xmlns:p="http://schemas.openxmlformats.org/presentationml/2006/main">
+  <p:cSld>
+    <p:spTree>
+      <p:nvGrpSpPr>
+        <p:cNvPr id="1" name=""/>
+        <p:cNvGrpSpPr/>
+        <p:nvPr/>
+      </p:nvGrpSpPr>
+      <p:grpSpPr>
+        <a:xfrm>
+          <a:off x="0" y="0"/>
+          <a:ext cx="0" cy="0"/>
+          <a:chOff x="0" y="0"/>
+          <a:chExt cx="0" cy="0"/>
+        </a:xfrm>
+      </p:grpSpPr>
+      <p:sp>
+        <p:nvSpPr>
+          <p:cNvPr id="2" name="Title 1">
+            <a:extLst>
+              <a:ext uri="{FF2B5EF4-FFF2-40B4-BE49-F238E27FC236}">
+                <a16:creationId xmlns:a16="http://schemas.microsoft.com/office/drawing/2014/main" id="{3E7A9C7A-4998-2B66-39E2-641C53EC01C1}"/>
+              </a:ext>
+            </a:extLst>
+          </p:cNvPr>
+          <p:cNvSpPr>
+            <a:spLocks noGrp="1"/>
+          </p:cNvSpPr>
+          <p:nvPr>
+            <p:ph type="title"/>
+          </p:nvPr>
+        </p:nvSpPr>
+        <p:spPr/>
+        <p:txBody>
+          <a:bodyPr/>
+          <a:lstStyle/>
+          <a:p>
+            <a:r>
+              <a:rPr lang="en-US" dirty="0"/>
+              <a:t>Demo here..</a:t>
+            </a:r>
+          </a:p>
+        </p:txBody>
+      </p:sp>
+      <p:sp>
+        <p:nvSpPr>
+          <p:cNvPr id="3" name="Content Placeholder 2">
+            <a:extLst>
+              <a:ext uri="{FF2B5EF4-FFF2-40B4-BE49-F238E27FC236}">
+                <a16:creationId xmlns:a16="http://schemas.microsoft.com/office/drawing/2014/main" id="{0C709F74-CC42-42EA-90C8-897E9C77F1B2}"/>
+              </a:ext>
+            </a:extLst>
+          </p:cNvPr>
+          <p:cNvSpPr>
+            <a:spLocks noGrp="1"/>
+          </p:cNvSpPr>
+          <p:nvPr>
+            <p:ph idx="1"/>
+          </p:nvPr>
+        </p:nvSpPr>
+        <p:spPr/>
+        <p:txBody>
+          <a:bodyPr/>
+          <a:lstStyle/>
+          <a:p>
+            <a:pPr marL="0" indent="0">
+              <a:buNone/>
+            </a:pPr>
+            <a:r>
+              <a:rPr lang="en-US" dirty="0"/>
+              <a:t>f(); // this will work, as f's declaration gets hoisted</a:t>
+            </a:r>
+          </a:p>
+          <a:p>
+            <a:pPr marL="0" indent="0">
+              <a:buNone/>
+            </a:pPr>
+            <a:r>
+              <a:rPr lang="en-US" dirty="0"/>
+              <a:t>function f() {}</a:t>
+            </a:r>
+          </a:p>
+          <a:p>
+            <a:pPr marL="0" indent="0">
+              <a:buNone/>
+            </a:pPr>
+            <a:r>
+              <a:rPr lang="en-US" dirty="0"/>
+              <a:t>f(); // this will also work, because f has been declared as you expect.</a:t>
+            </a:r>
+          </a:p>
+          <a:p>
+            <a:pPr marL="0" indent="0">
+              <a:buNone/>
+            </a:pPr>
+            <a:endParaRPr lang="en-US" dirty="0"/>
+          </a:p>
+          <a:p>
+            <a:pPr marL="0" indent="0">
+              <a:buNone/>
+            </a:pPr>
+            <a:r>
+              <a:rPr lang="en-US" dirty="0"/>
+              <a:t>g(); // this will not work, since g's declaration will be hoisted, but not the assignment.</a:t>
+            </a:r>
+          </a:p>
+          <a:p>
+            <a:pPr marL="0" indent="0">
+              <a:buNone/>
+            </a:pPr>
+            <a:r>
+              <a:rPr lang="en-US" dirty="0"/>
+              <a:t>var g = function() {};</a:t>
+            </a:r>
+          </a:p>
+        </p:txBody>
+      </p:sp>
+    </p:spTree>
+    <p:extLst>
+      <p:ext uri="{BB962C8B-B14F-4D97-AF65-F5344CB8AC3E}">
+        <p14:creationId xmlns:p14="http://schemas.microsoft.com/office/powerpoint/2010/main" val="2287617559"/>
+      </p:ext>
+    </p:extLst>
+  </p:cSld>
+  <p:clrMapOvr>
+    <a:masterClrMapping/>
+  </p:clrMapOvr>
+</p:sld>
+</file>
+
+<file path=ppt/slides/slide22.xml><?xml version="1.0" encoding="utf-8"?>
+<p:sld xmlns:a="http://schemas.openxmlformats.org/drawingml/2006/main" xmlns:r="http://schemas.openxmlformats.org/officeDocument/2006/relationships" xmlns:p="http://schemas.openxmlformats.org/presentationml/2006/main">
+  <p:cSld>
+    <p:spTree>
+      <p:nvGrpSpPr>
+        <p:cNvPr id="1" name=""/>
+        <p:cNvGrpSpPr/>
+        <p:nvPr/>
+      </p:nvGrpSpPr>
+      <p:grpSpPr>
+        <a:xfrm>
+          <a:off x="0" y="0"/>
+          <a:ext cx="0" cy="0"/>
+          <a:chOff x="0" y="0"/>
+          <a:chExt cx="0" cy="0"/>
+        </a:xfrm>
+      </p:grpSpPr>
+      <p:sp>
+        <p:nvSpPr>
+          <p:cNvPr id="2" name="Title 1">
+            <a:extLst>
+              <a:ext uri="{FF2B5EF4-FFF2-40B4-BE49-F238E27FC236}">
+                <a16:creationId xmlns:a16="http://schemas.microsoft.com/office/drawing/2014/main" id="{2512C332-EAE2-5BC1-449E-D716F99CC700}"/>
+              </a:ext>
+            </a:extLst>
+          </p:cNvPr>
+          <p:cNvSpPr>
+            <a:spLocks noGrp="1"/>
+          </p:cNvSpPr>
+          <p:nvPr>
+            <p:ph type="title"/>
+          </p:nvPr>
+        </p:nvSpPr>
+        <p:spPr/>
+        <p:txBody>
+          <a:bodyPr/>
+          <a:lstStyle/>
+          <a:p>
+            <a:r>
+              <a:rPr lang="en-US" dirty="0"/>
+              <a:t>So let and const solve the problem of confusions..</a:t>
+            </a:r>
+          </a:p>
+        </p:txBody>
+      </p:sp>
+      <p:sp>
+        <p:nvSpPr>
+          <p:cNvPr id="3" name="Content Placeholder 2">
+            <a:extLst>
+              <a:ext uri="{FF2B5EF4-FFF2-40B4-BE49-F238E27FC236}">
+                <a16:creationId xmlns:a16="http://schemas.microsoft.com/office/drawing/2014/main" id="{778EED86-E9BC-44CE-1ED7-B5E339970506}"/>
+              </a:ext>
+            </a:extLst>
+          </p:cNvPr>
+          <p:cNvSpPr>
+            <a:spLocks noGrp="1"/>
+          </p:cNvSpPr>
+          <p:nvPr>
+            <p:ph idx="1"/>
+          </p:nvPr>
+        </p:nvSpPr>
+        <p:spPr/>
+        <p:txBody>
+          <a:bodyPr/>
+          <a:lstStyle/>
+          <a:p>
+            <a:r>
+              <a:rPr lang="en-US" dirty="0"/>
+              <a:t>For new code that you write, you are encouraged to prefer let and const and use block scope.</a:t>
+            </a:r>
+          </a:p>
+        </p:txBody>
+      </p:sp>
+    </p:spTree>
+    <p:extLst>
+      <p:ext uri="{BB962C8B-B14F-4D97-AF65-F5344CB8AC3E}">
+        <p14:creationId xmlns:p14="http://schemas.microsoft.com/office/powerpoint/2010/main" val="3140121922"/>
+      </p:ext>
+    </p:extLst>
+  </p:cSld>
+  <p:clrMapOvr>
+    <a:masterClrMapping/>
+  </p:clrMapOvr>
+</p:sld>
+</file>
+
+<file path=ppt/slides/slide23.xml><?xml version="1.0" encoding="utf-8"?>
+<p:sld xmlns:a="http://schemas.openxmlformats.org/drawingml/2006/main" xmlns:r="http://schemas.openxmlformats.org/officeDocument/2006/relationships" xmlns:p="http://schemas.openxmlformats.org/presentationml/2006/main">
+  <p:cSld>
+    <p:spTree>
+      <p:nvGrpSpPr>
+        <p:cNvPr id="1" name=""/>
+        <p:cNvGrpSpPr/>
+        <p:nvPr/>
+      </p:nvGrpSpPr>
+      <p:grpSpPr>
+        <a:xfrm>
+          <a:off x="0" y="0"/>
+          <a:ext cx="0" cy="0"/>
+          <a:chOff x="0" y="0"/>
+          <a:chExt cx="0" cy="0"/>
+        </a:xfrm>
+      </p:grpSpPr>
+      <p:sp>
+        <p:nvSpPr>
+          <p:cNvPr id="2" name="Title 1">
+            <a:extLst>
+              <a:ext uri="{FF2B5EF4-FFF2-40B4-BE49-F238E27FC236}">
+                <a16:creationId xmlns:a16="http://schemas.microsoft.com/office/drawing/2014/main" id="{3CADFEAD-9432-C354-766C-575618285BA5}"/>
+              </a:ext>
+            </a:extLst>
+          </p:cNvPr>
+          <p:cNvSpPr>
+            <a:spLocks noGrp="1"/>
+          </p:cNvSpPr>
+          <p:nvPr>
+            <p:ph type="title"/>
+          </p:nvPr>
+        </p:nvSpPr>
+        <p:spPr/>
+        <p:txBody>
+          <a:bodyPr/>
+          <a:lstStyle/>
+          <a:p>
+            <a:r>
+              <a:rPr lang="en-US" dirty="0"/>
+              <a:t>Introduction to Objects and Object-Oriented Programming</a:t>
+            </a:r>
+          </a:p>
+        </p:txBody>
+      </p:sp>
+      <p:sp>
+        <p:nvSpPr>
+          <p:cNvPr id="3" name="Content Placeholder 2">
+            <a:extLst>
+              <a:ext uri="{FF2B5EF4-FFF2-40B4-BE49-F238E27FC236}">
+                <a16:creationId xmlns:a16="http://schemas.microsoft.com/office/drawing/2014/main" id="{251A86AF-A6A1-24EE-045C-20BC5A74D0F5}"/>
+              </a:ext>
+            </a:extLst>
+          </p:cNvPr>
+          <p:cNvSpPr>
+            <a:spLocks noGrp="1"/>
+          </p:cNvSpPr>
+          <p:nvPr>
+            <p:ph idx="1"/>
+          </p:nvPr>
+        </p:nvSpPr>
+        <p:spPr/>
+        <p:txBody>
+          <a:bodyPr/>
+          <a:lstStyle/>
+          <a:p>
+            <a:r>
+              <a:rPr lang="en-US" dirty="0"/>
+              <a:t>In object-oriented languages like JavaScript, we are able to combine data and functionality into higher order types, which both contain data and allow us to work with that data. </a:t>
+            </a:r>
+          </a:p>
+          <a:p>
+            <a:r>
+              <a:rPr lang="en-US" dirty="0"/>
+              <a:t>In other words, we can pass data around in a program, and all the functionality that works on that data travels with it.</a:t>
+            </a:r>
+          </a:p>
+          <a:p>
+            <a:r>
+              <a:rPr lang="en-US" dirty="0"/>
+              <a:t>JavaScript also allows us to work with strings, but because JavaScript is an object-oriented language, a JavaScript String is an Object with various properties and methods we can use for working with text.</a:t>
+            </a:r>
+          </a:p>
+        </p:txBody>
+      </p:sp>
+    </p:spTree>
+    <p:extLst>
+      <p:ext uri="{BB962C8B-B14F-4D97-AF65-F5344CB8AC3E}">
+        <p14:creationId xmlns:p14="http://schemas.microsoft.com/office/powerpoint/2010/main" val="572927725"/>
+      </p:ext>
+    </p:extLst>
+  </p:cSld>
+  <p:clrMapOvr>
+    <a:masterClrMapping/>
+  </p:clrMapOvr>
+</p:sld>
+</file>
+
+<file path=ppt/slides/slide24.xml><?xml version="1.0" encoding="utf-8"?>
+<p:sld xmlns:a="http://schemas.openxmlformats.org/drawingml/2006/main" xmlns:r="http://schemas.openxmlformats.org/officeDocument/2006/relationships" xmlns:p="http://schemas.openxmlformats.org/presentationml/2006/main">
+  <p:cSld>
+    <p:spTree>
+      <p:nvGrpSpPr>
+        <p:cNvPr id="1" name=""/>
+        <p:cNvGrpSpPr/>
+        <p:nvPr/>
+      </p:nvGrpSpPr>
+      <p:grpSpPr>
+        <a:xfrm>
+          <a:off x="0" y="0"/>
+          <a:ext cx="0" cy="0"/>
+          <a:chOff x="0" y="0"/>
+          <a:chExt cx="0" cy="0"/>
+        </a:xfrm>
+      </p:grpSpPr>
+      <p:sp>
+        <p:nvSpPr>
+          <p:cNvPr id="2" name="Title 1">
+            <a:extLst>
+              <a:ext uri="{FF2B5EF4-FFF2-40B4-BE49-F238E27FC236}">
+                <a16:creationId xmlns:a16="http://schemas.microsoft.com/office/drawing/2014/main" id="{B7CC60A1-A43D-04E0-4CD0-4F1945ED390C}"/>
+              </a:ext>
+            </a:extLst>
+          </p:cNvPr>
+          <p:cNvSpPr>
+            <a:spLocks noGrp="1"/>
+          </p:cNvSpPr>
+          <p:nvPr>
+            <p:ph type="title"/>
+          </p:nvPr>
+        </p:nvSpPr>
+        <p:spPr/>
+        <p:txBody>
+          <a:bodyPr/>
+          <a:lstStyle/>
+          <a:p>
+            <a:r>
+              <a:rPr lang="en-US" dirty="0"/>
+              <a:t>JavaScript Strings! Imp..</a:t>
+            </a:r>
+          </a:p>
+        </p:txBody>
+      </p:sp>
+      <p:sp>
+        <p:nvSpPr>
+          <p:cNvPr id="3" name="Content Placeholder 2">
+            <a:extLst>
+              <a:ext uri="{FF2B5EF4-FFF2-40B4-BE49-F238E27FC236}">
+                <a16:creationId xmlns:a16="http://schemas.microsoft.com/office/drawing/2014/main" id="{D908032C-A6EB-1A75-E234-EE7150F78B3C}"/>
+              </a:ext>
+            </a:extLst>
+          </p:cNvPr>
+          <p:cNvSpPr>
+            <a:spLocks noGrp="1"/>
+          </p:cNvSpPr>
+          <p:nvPr>
+            <p:ph idx="1"/>
+          </p:nvPr>
+        </p:nvSpPr>
+        <p:spPr>
+          <a:xfrm>
+            <a:off x="838200" y="1825625"/>
+            <a:ext cx="10515600" cy="4884891"/>
+          </a:xfrm>
+        </p:spPr>
+        <p:txBody>
+          <a:bodyPr>
+            <a:normAutofit fontScale="77500" lnSpcReduction="20000"/>
+          </a:bodyPr>
+          <a:lstStyle/>
+          <a:p>
+            <a:r>
+              <a:rPr lang="en-US" dirty="0"/>
+              <a:t>Here are a few examples of how you can declare a String in JavaScript</a:t>
+            </a:r>
+          </a:p>
+          <a:p>
+            <a:pPr marL="0" indent="0">
+              <a:buNone/>
+            </a:pPr>
+            <a:r>
+              <a:rPr lang="en-US" dirty="0"/>
+              <a:t>// JavaScript String Literals</a:t>
+            </a:r>
+          </a:p>
+          <a:p>
+            <a:pPr marL="0" indent="0">
+              <a:buNone/>
+            </a:pPr>
+            <a:endParaRPr lang="en-US" dirty="0"/>
+          </a:p>
+          <a:p>
+            <a:r>
+              <a:rPr lang="en-US" dirty="0"/>
+              <a:t>let s = 'some text';  // single-quotes</a:t>
+            </a:r>
+          </a:p>
+          <a:p>
+            <a:r>
+              <a:rPr lang="en-US" dirty="0"/>
+              <a:t>let s1 = "some text"; // double-quotes</a:t>
+            </a:r>
+          </a:p>
+          <a:p>
+            <a:r>
+              <a:rPr lang="en-US" dirty="0"/>
+              <a:t>let s2 = `some text`; // template literal using back-ticks</a:t>
+            </a:r>
+          </a:p>
+          <a:p>
+            <a:r>
+              <a:rPr lang="en-US" dirty="0"/>
+              <a:t>let </a:t>
+            </a:r>
+            <a:r>
+              <a:rPr lang="en-US" dirty="0" err="1"/>
+              <a:t>unicode</a:t>
+            </a:r>
+            <a:r>
+              <a:rPr lang="en-US" dirty="0"/>
+              <a:t> = "</a:t>
+            </a:r>
+            <a:r>
+              <a:rPr lang="ja-JP" altLang="en-US" dirty="0"/>
+              <a:t>中文 </a:t>
+            </a:r>
+            <a:r>
+              <a:rPr lang="en-US" dirty="0" err="1"/>
+              <a:t>español</a:t>
+            </a:r>
+            <a:r>
+              <a:rPr lang="en-US" dirty="0"/>
+              <a:t> Deutsch English </a:t>
+            </a:r>
+            <a:r>
+              <a:rPr lang="hi-IN" dirty="0"/>
+              <a:t>देवनागरी </a:t>
+            </a:r>
+            <a:r>
+              <a:rPr lang="ar-AE" dirty="0"/>
+              <a:t>العربية </a:t>
+            </a:r>
+            <a:r>
+              <a:rPr lang="en-US" dirty="0" err="1"/>
+              <a:t>português</a:t>
+            </a:r>
+            <a:r>
+              <a:rPr lang="en-US" dirty="0"/>
+              <a:t> </a:t>
+            </a:r>
+            <a:r>
+              <a:rPr lang="as-IN" dirty="0"/>
+              <a:t>বাংলা </a:t>
+            </a:r>
+            <a:r>
+              <a:rPr lang="az-Cyrl-AZ" dirty="0"/>
+              <a:t>русский </a:t>
+            </a:r>
+            <a:r>
+              <a:rPr lang="ja-JP" altLang="en-US" dirty="0"/>
+              <a:t>日本語 </a:t>
+            </a:r>
+            <a:r>
+              <a:rPr lang="pa-IN" dirty="0"/>
+              <a:t>ਪੰਜਾਬੀ </a:t>
+            </a:r>
+            <a:r>
+              <a:rPr lang="ko-KR" altLang="en-US" dirty="0"/>
+              <a:t>한국어 </a:t>
+            </a:r>
+            <a:r>
+              <a:rPr lang="ta-IN" dirty="0"/>
+              <a:t>தமிழ் </a:t>
+            </a:r>
+            <a:r>
+              <a:rPr lang="he-IL" dirty="0"/>
+              <a:t>עברית" // </a:t>
+            </a:r>
+            <a:r>
+              <a:rPr lang="en-US" dirty="0"/>
+              <a:t>non-ASCII characters</a:t>
+            </a:r>
+          </a:p>
+          <a:p>
+            <a:pPr marL="0" indent="0">
+              <a:buNone/>
+            </a:pPr>
+            <a:endParaRPr lang="en-US" dirty="0"/>
+          </a:p>
+          <a:p>
+            <a:pPr marL="0" indent="0">
+              <a:buNone/>
+            </a:pPr>
+            <a:r>
+              <a:rPr lang="en-US" dirty="0"/>
+              <a:t>//JavaScript String Constructor: `new String()` creates a new instance of a String</a:t>
+            </a:r>
+          </a:p>
+          <a:p>
+            <a:pPr marL="0" indent="0">
+              <a:buNone/>
+            </a:pPr>
+            <a:r>
+              <a:rPr lang="en-US" dirty="0"/>
+              <a:t> </a:t>
+            </a:r>
+          </a:p>
+          <a:p>
+            <a:r>
+              <a:rPr lang="en-US" dirty="0"/>
+              <a:t>let s3 = new String("Some Text");</a:t>
+            </a:r>
+          </a:p>
+          <a:p>
+            <a:r>
+              <a:rPr lang="en-US" dirty="0"/>
+              <a:t>let s4 = new String('Some Text'); </a:t>
+            </a:r>
+          </a:p>
+        </p:txBody>
+      </p:sp>
+    </p:spTree>
+    <p:extLst>
+      <p:ext uri="{BB962C8B-B14F-4D97-AF65-F5344CB8AC3E}">
+        <p14:creationId xmlns:p14="http://schemas.microsoft.com/office/powerpoint/2010/main" val="2816640156"/>
+      </p:ext>
+    </p:extLst>
+  </p:cSld>
+  <p:clrMapOvr>
+    <a:masterClrMapping/>
+  </p:clrMapOvr>
+</p:sld>
+</file>
+
+<file path=ppt/slides/slide25.xml><?xml version="1.0" encoding="utf-8"?>
+<p:sld xmlns:a="http://schemas.openxmlformats.org/drawingml/2006/main" xmlns:r="http://schemas.openxmlformats.org/officeDocument/2006/relationships" xmlns:p="http://schemas.openxmlformats.org/presentationml/2006/main">
+  <p:cSld>
+    <p:spTree>
+      <p:nvGrpSpPr>
+        <p:cNvPr id="1" name=""/>
+        <p:cNvGrpSpPr/>
+        <p:nvPr/>
+      </p:nvGrpSpPr>
+      <p:grpSpPr>
+        <a:xfrm>
+          <a:off x="0" y="0"/>
+          <a:ext cx="0" cy="0"/>
+          <a:chOff x="0" y="0"/>
+          <a:chExt cx="0" cy="0"/>
+        </a:xfrm>
+      </p:grpSpPr>
+      <p:sp>
+        <p:nvSpPr>
+          <p:cNvPr id="2" name="Title 1">
+            <a:extLst>
+              <a:ext uri="{FF2B5EF4-FFF2-40B4-BE49-F238E27FC236}">
+                <a16:creationId xmlns:a16="http://schemas.microsoft.com/office/drawing/2014/main" id="{23ADBBAC-D16E-D2F9-3EEE-11641420DAF7}"/>
+              </a:ext>
+            </a:extLst>
+          </p:cNvPr>
+          <p:cNvSpPr>
+            <a:spLocks noGrp="1"/>
+          </p:cNvSpPr>
+          <p:nvPr>
+            <p:ph type="title"/>
+          </p:nvPr>
+        </p:nvSpPr>
+        <p:spPr/>
+        <p:txBody>
+          <a:bodyPr/>
+          <a:lstStyle/>
+          <a:p>
+            <a:r>
+              <a:rPr lang="en-US" dirty="0"/>
+              <a:t>String Properties and Methods</a:t>
+            </a:r>
+          </a:p>
+        </p:txBody>
+      </p:sp>
+      <p:sp>
+        <p:nvSpPr>
+          <p:cNvPr id="3" name="Content Placeholder 2">
+            <a:extLst>
+              <a:ext uri="{FF2B5EF4-FFF2-40B4-BE49-F238E27FC236}">
+                <a16:creationId xmlns:a16="http://schemas.microsoft.com/office/drawing/2014/main" id="{2CB27CA4-9165-814E-8A85-B17F0734998B}"/>
+              </a:ext>
+            </a:extLst>
+          </p:cNvPr>
+          <p:cNvSpPr>
+            <a:spLocks noGrp="1"/>
+          </p:cNvSpPr>
+          <p:nvPr>
+            <p:ph idx="1"/>
+          </p:nvPr>
+        </p:nvSpPr>
+        <p:spPr/>
+        <p:txBody>
+          <a:bodyPr>
+            <a:normAutofit fontScale="70000" lnSpcReduction="20000"/>
+          </a:bodyPr>
+          <a:lstStyle/>
+          <a:p>
+            <a:r>
+              <a:rPr lang="en-US" dirty="0" err="1"/>
+              <a:t>s.length</a:t>
+            </a:r>
+            <a:r>
+              <a:rPr lang="en-US" dirty="0"/>
+              <a:t> - will tell us the length of the string (UTF-16 code units)</a:t>
+            </a:r>
+          </a:p>
+          <a:p>
+            <a:r>
+              <a:rPr lang="en-US" dirty="0" err="1"/>
+              <a:t>s.charAt</a:t>
+            </a:r>
+            <a:r>
+              <a:rPr lang="en-US" dirty="0"/>
+              <a:t>(1) - returns the character at the given position (UTF-16 code unit). We can also use s[1] and use an index notation to get a particular character from the string.</a:t>
+            </a:r>
+          </a:p>
+          <a:p>
+            <a:r>
+              <a:rPr lang="en-US" dirty="0" err="1"/>
+              <a:t>s.concat</a:t>
+            </a:r>
+            <a:r>
+              <a:rPr lang="en-US" dirty="0"/>
+              <a:t>() - returns a new string created by concatenating the original with the given arguments.</a:t>
+            </a:r>
+          </a:p>
+          <a:p>
+            <a:r>
+              <a:rPr lang="en-US" dirty="0" err="1"/>
+              <a:t>s.padStart</a:t>
+            </a:r>
+            <a:r>
+              <a:rPr lang="en-US" dirty="0"/>
+              <a:t>(2, '0) - returns a new string padded with the given substring until the length meets the minimum length given. See also </a:t>
+            </a:r>
+            <a:r>
+              <a:rPr lang="en-US" dirty="0" err="1"/>
+              <a:t>s.padEnd</a:t>
+            </a:r>
+            <a:r>
+              <a:rPr lang="en-US" dirty="0"/>
+              <a:t>().</a:t>
+            </a:r>
+          </a:p>
+          <a:p>
+            <a:r>
+              <a:rPr lang="en-US" dirty="0" err="1"/>
+              <a:t>s.includes</a:t>
+            </a:r>
+            <a:r>
+              <a:rPr lang="en-US" dirty="0"/>
+              <a:t>("</a:t>
+            </a:r>
+            <a:r>
+              <a:rPr lang="en-US" dirty="0" err="1"/>
+              <a:t>tex</a:t>
+            </a:r>
+            <a:r>
+              <a:rPr lang="en-US" dirty="0"/>
+              <a:t>") - returns true if the search string is found within the string, otherwise false if not found.</a:t>
+            </a:r>
+          </a:p>
+          <a:p>
+            <a:r>
+              <a:rPr lang="en-US" dirty="0" err="1"/>
+              <a:t>s.startsWith</a:t>
+            </a:r>
+            <a:r>
+              <a:rPr lang="en-US" dirty="0"/>
+              <a:t>("some") - returns true if the string starts with the given substring, otherwise false.</a:t>
+            </a:r>
+          </a:p>
+          <a:p>
+            <a:r>
+              <a:rPr lang="en-US" dirty="0" err="1"/>
+              <a:t>s.endsWith</a:t>
+            </a:r>
+            <a:r>
+              <a:rPr lang="en-US" dirty="0"/>
+              <a:t>("text") - returns true if the string ends with the given substring, otherwise false.</a:t>
+            </a:r>
+          </a:p>
+          <a:p>
+            <a:r>
+              <a:rPr lang="en-US" dirty="0" err="1"/>
+              <a:t>s.indexOf</a:t>
+            </a:r>
+            <a:r>
+              <a:rPr lang="en-US" dirty="0"/>
+              <a:t>("t") - returns the first index position of the given substring within s, or -1 if the substring is not found within s. See also </a:t>
+            </a:r>
+            <a:r>
+              <a:rPr lang="en-US" dirty="0" err="1"/>
+              <a:t>s.lastIndexOf</a:t>
+            </a:r>
+            <a:r>
+              <a:rPr lang="en-US" dirty="0"/>
+              <a:t>()</a:t>
+            </a:r>
+          </a:p>
+        </p:txBody>
+      </p:sp>
+    </p:spTree>
+    <p:extLst>
+      <p:ext uri="{BB962C8B-B14F-4D97-AF65-F5344CB8AC3E}">
+        <p14:creationId xmlns:p14="http://schemas.microsoft.com/office/powerpoint/2010/main" val="2080551719"/>
+      </p:ext>
+    </p:extLst>
+  </p:cSld>
+  <p:clrMapOvr>
+    <a:masterClrMapping/>
+  </p:clrMapOvr>
+</p:sld>
+</file>
+
+<file path=ppt/slides/slide26.xml><?xml version="1.0" encoding="utf-8"?>
+<p:sld xmlns:a="http://schemas.openxmlformats.org/drawingml/2006/main" xmlns:r="http://schemas.openxmlformats.org/officeDocument/2006/relationships" xmlns:p="http://schemas.openxmlformats.org/presentationml/2006/main">
+  <p:cSld>
+    <p:spTree>
+      <p:nvGrpSpPr>
+        <p:cNvPr id="1" name=""/>
+        <p:cNvGrpSpPr/>
+        <p:nvPr/>
+      </p:nvGrpSpPr>
+      <p:grpSpPr>
+        <a:xfrm>
+          <a:off x="0" y="0"/>
+          <a:ext cx="0" cy="0"/>
+          <a:chOff x="0" y="0"/>
+          <a:chExt cx="0" cy="0"/>
+        </a:xfrm>
+      </p:grpSpPr>
+      <p:sp>
+        <p:nvSpPr>
+          <p:cNvPr id="2" name="Title 1">
+            <a:extLst>
+              <a:ext uri="{FF2B5EF4-FFF2-40B4-BE49-F238E27FC236}">
+                <a16:creationId xmlns:a16="http://schemas.microsoft.com/office/drawing/2014/main" id="{BCDD2121-C167-B107-4638-2F021C70DCDE}"/>
+              </a:ext>
+            </a:extLst>
+          </p:cNvPr>
+          <p:cNvSpPr>
+            <a:spLocks noGrp="1"/>
+          </p:cNvSpPr>
+          <p:nvPr>
+            <p:ph type="title"/>
+          </p:nvPr>
+        </p:nvSpPr>
+        <p:spPr/>
+        <p:txBody>
+          <a:bodyPr/>
+          <a:lstStyle/>
+          <a:p>
+            <a:endParaRPr lang="en-US" dirty="0"/>
+          </a:p>
+        </p:txBody>
+      </p:sp>
+      <p:sp>
+        <p:nvSpPr>
+          <p:cNvPr id="3" name="Content Placeholder 2">
+            <a:extLst>
+              <a:ext uri="{FF2B5EF4-FFF2-40B4-BE49-F238E27FC236}">
+                <a16:creationId xmlns:a16="http://schemas.microsoft.com/office/drawing/2014/main" id="{18C8E586-3A10-6D11-8E29-8A1CB20733AD}"/>
+              </a:ext>
+            </a:extLst>
+          </p:cNvPr>
+          <p:cNvSpPr>
+            <a:spLocks noGrp="1"/>
+          </p:cNvSpPr>
+          <p:nvPr>
+            <p:ph idx="1"/>
+          </p:nvPr>
+        </p:nvSpPr>
+        <p:spPr/>
+        <p:txBody>
+          <a:bodyPr>
+            <a:normAutofit fontScale="77500" lnSpcReduction="20000"/>
+          </a:bodyPr>
+          <a:lstStyle/>
+          <a:p>
+            <a:r>
+              <a:rPr lang="en-US" dirty="0" err="1"/>
+              <a:t>s.match</a:t>
+            </a:r>
+            <a:r>
+              <a:rPr lang="en-US" dirty="0"/>
+              <a:t>(regex) - tries to match a regular expression against the string, returning the matches. See discussion of </a:t>
+            </a:r>
+            <a:r>
+              <a:rPr lang="en-US" dirty="0" err="1"/>
+              <a:t>RegExp</a:t>
+            </a:r>
+            <a:r>
+              <a:rPr lang="en-US" dirty="0"/>
+              <a:t> below.</a:t>
+            </a:r>
+          </a:p>
+          <a:p>
+            <a:r>
+              <a:rPr lang="en-US" dirty="0" err="1"/>
+              <a:t>s.replace</a:t>
+            </a:r>
+            <a:r>
+              <a:rPr lang="en-US" dirty="0"/>
+              <a:t>(regex, "replacement") - returns a new string with the first occurrence of a matched </a:t>
+            </a:r>
+            <a:r>
+              <a:rPr lang="en-US" dirty="0" err="1"/>
+              <a:t>RegExp</a:t>
+            </a:r>
+            <a:r>
+              <a:rPr lang="en-US" dirty="0"/>
+              <a:t> replaced by the replacement text. See also </a:t>
+            </a:r>
+            <a:r>
+              <a:rPr lang="en-US" dirty="0" err="1"/>
+              <a:t>s.replaceAll</a:t>
+            </a:r>
+            <a:r>
+              <a:rPr lang="en-US" dirty="0"/>
+              <a:t>(), which replaces all occurrences.</a:t>
+            </a:r>
+          </a:p>
+          <a:p>
+            <a:r>
+              <a:rPr lang="en-US" dirty="0" err="1"/>
+              <a:t>s.slice</a:t>
+            </a:r>
+            <a:r>
+              <a:rPr lang="en-US" dirty="0"/>
+              <a:t>(2, 3) - returns a new string extracted (sliced) from within the original string. A beginning index and (optional) end index mark the position of the slice.</a:t>
+            </a:r>
+          </a:p>
+          <a:p>
+            <a:r>
+              <a:rPr lang="en-US" dirty="0" err="1"/>
+              <a:t>s.split</a:t>
+            </a:r>
+            <a:r>
+              <a:rPr lang="en-US" dirty="0"/>
+              <a:t>() - returns an Array (see discussion below) of substrings by splitting the original string based on the given separator (String or </a:t>
+            </a:r>
+            <a:r>
+              <a:rPr lang="en-US" dirty="0" err="1"/>
+              <a:t>RegExp</a:t>
+            </a:r>
+            <a:r>
+              <a:rPr lang="en-US" dirty="0"/>
+              <a:t>).</a:t>
+            </a:r>
+          </a:p>
+          <a:p>
+            <a:r>
+              <a:rPr lang="en-US" dirty="0" err="1"/>
+              <a:t>s.toLowerCase</a:t>
+            </a:r>
+            <a:r>
+              <a:rPr lang="en-US" dirty="0"/>
+              <a:t>() - returns a new string with all characters converted to lower case.</a:t>
+            </a:r>
+          </a:p>
+          <a:p>
+            <a:r>
+              <a:rPr lang="en-US" dirty="0" err="1"/>
+              <a:t>s.toUpperCase</a:t>
+            </a:r>
+            <a:r>
+              <a:rPr lang="en-US" dirty="0"/>
+              <a:t>() - returns a new string with all characters converted to upper case.</a:t>
+            </a:r>
+          </a:p>
+          <a:p>
+            <a:r>
+              <a:rPr lang="en-US" dirty="0" err="1"/>
+              <a:t>s.trim</a:t>
+            </a:r>
+            <a:r>
+              <a:rPr lang="en-US" dirty="0"/>
+              <a:t>() - returns a new string with leading and trailing whitespace removed.</a:t>
+            </a:r>
+          </a:p>
+          <a:p>
+            <a:endParaRPr lang="en-US" dirty="0"/>
+          </a:p>
+        </p:txBody>
+      </p:sp>
+    </p:spTree>
+    <p:extLst>
+      <p:ext uri="{BB962C8B-B14F-4D97-AF65-F5344CB8AC3E}">
+        <p14:creationId xmlns:p14="http://schemas.microsoft.com/office/powerpoint/2010/main" val="4262630219"/>
+      </p:ext>
+    </p:extLst>
+  </p:cSld>
+  <p:clrMapOvr>
+    <a:masterClrMapping/>
+  </p:clrMapOvr>
+</p:sld>
+</file>
+
+<file path=ppt/slides/slide27.xml><?xml version="1.0" encoding="utf-8"?>
+<p:sld xmlns:a="http://schemas.openxmlformats.org/drawingml/2006/main" xmlns:r="http://schemas.openxmlformats.org/officeDocument/2006/relationships" xmlns:p="http://schemas.openxmlformats.org/presentationml/2006/main">
+  <p:cSld>
+    <p:spTree>
+      <p:nvGrpSpPr>
+        <p:cNvPr id="1" name=""/>
+        <p:cNvGrpSpPr/>
+        <p:nvPr/>
+      </p:nvGrpSpPr>
+      <p:grpSpPr>
+        <a:xfrm>
+          <a:off x="0" y="0"/>
+          <a:ext cx="0" cy="0"/>
+          <a:chOff x="0" y="0"/>
+          <a:chExt cx="0" cy="0"/>
+        </a:xfrm>
+      </p:grpSpPr>
+      <p:sp>
+        <p:nvSpPr>
+          <p:cNvPr id="2" name="Title 1">
+            <a:extLst>
+              <a:ext uri="{FF2B5EF4-FFF2-40B4-BE49-F238E27FC236}">
+                <a16:creationId xmlns:a16="http://schemas.microsoft.com/office/drawing/2014/main" id="{71963DB8-1DF1-1F58-3E13-34F24426FEC5}"/>
+              </a:ext>
+            </a:extLst>
+          </p:cNvPr>
+          <p:cNvSpPr>
+            <a:spLocks noGrp="1"/>
+          </p:cNvSpPr>
+          <p:nvPr>
+            <p:ph type="title"/>
+          </p:nvPr>
+        </p:nvSpPr>
+        <p:spPr/>
+        <p:txBody>
+          <a:bodyPr/>
+          <a:lstStyle/>
+          <a:p>
+            <a:r>
+              <a:rPr lang="en-US" dirty="0"/>
+              <a:t>JavaScript Arrays</a:t>
+            </a:r>
+          </a:p>
+        </p:txBody>
+      </p:sp>
+      <p:sp>
+        <p:nvSpPr>
+          <p:cNvPr id="3" name="Content Placeholder 2">
+            <a:extLst>
+              <a:ext uri="{FF2B5EF4-FFF2-40B4-BE49-F238E27FC236}">
+                <a16:creationId xmlns:a16="http://schemas.microsoft.com/office/drawing/2014/main" id="{7B9BB964-6320-6310-F910-404091265643}"/>
+              </a:ext>
+            </a:extLst>
+          </p:cNvPr>
+          <p:cNvSpPr>
+            <a:spLocks noGrp="1"/>
+          </p:cNvSpPr>
+          <p:nvPr>
+            <p:ph idx="1"/>
+          </p:nvPr>
+        </p:nvSpPr>
+        <p:spPr/>
+        <p:txBody>
+          <a:bodyPr/>
+          <a:lstStyle/>
+          <a:p>
+            <a:r>
+              <a:rPr lang="en-US" dirty="0"/>
+              <a:t>An Array is an Object with various properties and methods we can use for working with lists in JavaScript.</a:t>
+            </a:r>
+          </a:p>
+          <a:p>
+            <a:r>
+              <a:rPr lang="en-US" dirty="0"/>
+              <a:t>Declaring JavaScript Arrays</a:t>
+            </a:r>
+          </a:p>
+          <a:p>
+            <a:pPr lvl="1"/>
+            <a:r>
+              <a:rPr lang="en-US" dirty="0"/>
+              <a:t>Like creating a String, we can create an Array in JavaScript using either a literal or the Array constructor function:</a:t>
+            </a:r>
+          </a:p>
+          <a:p>
+            <a:pPr lvl="1"/>
+            <a:r>
+              <a:rPr lang="en-US" dirty="0"/>
+              <a:t>let </a:t>
+            </a:r>
+            <a:r>
+              <a:rPr lang="en-US" dirty="0" err="1"/>
+              <a:t>arr</a:t>
+            </a:r>
+            <a:r>
+              <a:rPr lang="en-US" dirty="0"/>
+              <a:t> = new Array(1, 2, 3); // array constructor</a:t>
+            </a:r>
+          </a:p>
+          <a:p>
+            <a:pPr lvl="1"/>
+            <a:r>
+              <a:rPr lang="en-US" dirty="0"/>
+              <a:t>let arr2 = [1, 2, 3]; // array literal</a:t>
+            </a:r>
+          </a:p>
+        </p:txBody>
+      </p:sp>
+    </p:spTree>
+    <p:extLst>
+      <p:ext uri="{BB962C8B-B14F-4D97-AF65-F5344CB8AC3E}">
+        <p14:creationId xmlns:p14="http://schemas.microsoft.com/office/powerpoint/2010/main" val="232851880"/>
       </p:ext>
     </p:extLst>
   </p:cSld>

--- a/JavaScript/Week3/Week3.pptx
+++ b/JavaScript/Week3/Week3.pptx
@@ -5464,10 +5464,15 @@
             <p:ph idx="1"/>
           </p:nvPr>
         </p:nvSpPr>
-        <p:spPr/>
+        <p:spPr>
+          <a:xfrm>
+            <a:off x="838200" y="1825624"/>
+            <a:ext cx="10515600" cy="5032375"/>
+          </a:xfrm>
+        </p:spPr>
         <p:txBody>
           <a:bodyPr>
-            <a:normAutofit fontScale="70000" lnSpcReduction="20000"/>
+            <a:normAutofit fontScale="77500" lnSpcReduction="20000"/>
           </a:bodyPr>
           <a:lstStyle/>
           <a:p>

--- a/JavaScript/Week3/Week3.pptx
+++ b/JavaScript/Week3/Week3.pptx
@@ -32,6 +32,13 @@
     <p:sldId id="281" r:id="rId26"/>
     <p:sldId id="282" r:id="rId27"/>
     <p:sldId id="283" r:id="rId28"/>
+    <p:sldId id="284" r:id="rId29"/>
+    <p:sldId id="285" r:id="rId30"/>
+    <p:sldId id="286" r:id="rId31"/>
+    <p:sldId id="287" r:id="rId32"/>
+    <p:sldId id="288" r:id="rId33"/>
+    <p:sldId id="289" r:id="rId34"/>
+    <p:sldId id="290" r:id="rId35"/>
   </p:sldIdLst>
   <p:sldSz cx="12192000" cy="6858000"/>
   <p:notesSz cx="6858000" cy="9144000"/>
@@ -269,7 +276,7 @@
           <a:p>
             <a:fld id="{F28A4246-F2A7-4220-A405-8A96DAE08D6A}" type="datetimeFigureOut">
               <a:rPr lang="en-US" smtClean="0"/>
-              <a:t>9/17/2024</a:t>
+              <a:t>9/18/2024</a:t>
             </a:fld>
             <a:endParaRPr lang="en-US"/>
           </a:p>
@@ -439,7 +446,7 @@
           <a:p>
             <a:fld id="{F28A4246-F2A7-4220-A405-8A96DAE08D6A}" type="datetimeFigureOut">
               <a:rPr lang="en-US" smtClean="0"/>
-              <a:t>9/17/2024</a:t>
+              <a:t>9/18/2024</a:t>
             </a:fld>
             <a:endParaRPr lang="en-US"/>
           </a:p>
@@ -619,7 +626,7 @@
           <a:p>
             <a:fld id="{F28A4246-F2A7-4220-A405-8A96DAE08D6A}" type="datetimeFigureOut">
               <a:rPr lang="en-US" smtClean="0"/>
-              <a:t>9/17/2024</a:t>
+              <a:t>9/18/2024</a:t>
             </a:fld>
             <a:endParaRPr lang="en-US"/>
           </a:p>
@@ -789,7 +796,7 @@
           <a:p>
             <a:fld id="{F28A4246-F2A7-4220-A405-8A96DAE08D6A}" type="datetimeFigureOut">
               <a:rPr lang="en-US" smtClean="0"/>
-              <a:t>9/17/2024</a:t>
+              <a:t>9/18/2024</a:t>
             </a:fld>
             <a:endParaRPr lang="en-US"/>
           </a:p>
@@ -1035,7 +1042,7 @@
           <a:p>
             <a:fld id="{F28A4246-F2A7-4220-A405-8A96DAE08D6A}" type="datetimeFigureOut">
               <a:rPr lang="en-US" smtClean="0"/>
-              <a:t>9/17/2024</a:t>
+              <a:t>9/18/2024</a:t>
             </a:fld>
             <a:endParaRPr lang="en-US"/>
           </a:p>
@@ -1267,7 +1274,7 @@
           <a:p>
             <a:fld id="{F28A4246-F2A7-4220-A405-8A96DAE08D6A}" type="datetimeFigureOut">
               <a:rPr lang="en-US" smtClean="0"/>
-              <a:t>9/17/2024</a:t>
+              <a:t>9/18/2024</a:t>
             </a:fld>
             <a:endParaRPr lang="en-US"/>
           </a:p>
@@ -1634,7 +1641,7 @@
           <a:p>
             <a:fld id="{F28A4246-F2A7-4220-A405-8A96DAE08D6A}" type="datetimeFigureOut">
               <a:rPr lang="en-US" smtClean="0"/>
-              <a:t>9/17/2024</a:t>
+              <a:t>9/18/2024</a:t>
             </a:fld>
             <a:endParaRPr lang="en-US"/>
           </a:p>
@@ -1752,7 +1759,7 @@
           <a:p>
             <a:fld id="{F28A4246-F2A7-4220-A405-8A96DAE08D6A}" type="datetimeFigureOut">
               <a:rPr lang="en-US" smtClean="0"/>
-              <a:t>9/17/2024</a:t>
+              <a:t>9/18/2024</a:t>
             </a:fld>
             <a:endParaRPr lang="en-US"/>
           </a:p>
@@ -1847,7 +1854,7 @@
           <a:p>
             <a:fld id="{F28A4246-F2A7-4220-A405-8A96DAE08D6A}" type="datetimeFigureOut">
               <a:rPr lang="en-US" smtClean="0"/>
-              <a:t>9/17/2024</a:t>
+              <a:t>9/18/2024</a:t>
             </a:fld>
             <a:endParaRPr lang="en-US"/>
           </a:p>
@@ -2124,7 +2131,7 @@
           <a:p>
             <a:fld id="{F28A4246-F2A7-4220-A405-8A96DAE08D6A}" type="datetimeFigureOut">
               <a:rPr lang="en-US" smtClean="0"/>
-              <a:t>9/17/2024</a:t>
+              <a:t>9/18/2024</a:t>
             </a:fld>
             <a:endParaRPr lang="en-US"/>
           </a:p>
@@ -2381,7 +2388,7 @@
           <a:p>
             <a:fld id="{F28A4246-F2A7-4220-A405-8A96DAE08D6A}" type="datetimeFigureOut">
               <a:rPr lang="en-US" smtClean="0"/>
-              <a:t>9/17/2024</a:t>
+              <a:t>9/18/2024</a:t>
             </a:fld>
             <a:endParaRPr lang="en-US"/>
           </a:p>
@@ -2594,7 +2601,7 @@
           <a:p>
             <a:fld id="{F28A4246-F2A7-4220-A405-8A96DAE08D6A}" type="datetimeFigureOut">
               <a:rPr lang="en-US" smtClean="0"/>
-              <a:t>9/17/2024</a:t>
+              <a:t>9/18/2024</a:t>
             </a:fld>
             <a:endParaRPr lang="en-US"/>
           </a:p>
@@ -5652,10 +5659,15 @@
             <p:ph idx="1"/>
           </p:nvPr>
         </p:nvSpPr>
-        <p:spPr/>
+        <p:spPr>
+          <a:xfrm>
+            <a:off x="838200" y="1825624"/>
+            <a:ext cx="10515600" cy="5144801"/>
+          </a:xfrm>
+        </p:spPr>
         <p:txBody>
           <a:bodyPr>
-            <a:normAutofit fontScale="77500" lnSpcReduction="20000"/>
+            <a:normAutofit fontScale="85000" lnSpcReduction="20000"/>
           </a:bodyPr>
           <a:lstStyle/>
           <a:p>
@@ -5899,6 +5911,234 @@
 </p:sld>
 </file>
 
+<file path=ppt/slides/slide28.xml><?xml version="1.0" encoding="utf-8"?>
+<p:sld xmlns:a="http://schemas.openxmlformats.org/drawingml/2006/main" xmlns:r="http://schemas.openxmlformats.org/officeDocument/2006/relationships" xmlns:p="http://schemas.openxmlformats.org/presentationml/2006/main">
+  <p:cSld>
+    <p:spTree>
+      <p:nvGrpSpPr>
+        <p:cNvPr id="1" name=""/>
+        <p:cNvGrpSpPr/>
+        <p:nvPr/>
+      </p:nvGrpSpPr>
+      <p:grpSpPr>
+        <a:xfrm>
+          <a:off x="0" y="0"/>
+          <a:ext cx="0" cy="0"/>
+          <a:chOff x="0" y="0"/>
+          <a:chExt cx="0" cy="0"/>
+        </a:xfrm>
+      </p:grpSpPr>
+      <p:sp>
+        <p:nvSpPr>
+          <p:cNvPr id="2" name="Title 1">
+            <a:extLst>
+              <a:ext uri="{FF2B5EF4-FFF2-40B4-BE49-F238E27FC236}">
+                <a16:creationId xmlns:a16="http://schemas.microsoft.com/office/drawing/2014/main" id="{4B7AEFFE-4E69-AD69-CD5E-362A88ABE8C3}"/>
+              </a:ext>
+            </a:extLst>
+          </p:cNvPr>
+          <p:cNvSpPr>
+            <a:spLocks noGrp="1"/>
+          </p:cNvSpPr>
+          <p:nvPr>
+            <p:ph type="title"/>
+          </p:nvPr>
+        </p:nvSpPr>
+        <p:spPr/>
+        <p:txBody>
+          <a:bodyPr/>
+          <a:lstStyle/>
+          <a:p>
+            <a:r>
+              <a:rPr lang="en-US" dirty="0"/>
+              <a:t>Accessing Array elements</a:t>
+            </a:r>
+          </a:p>
+        </p:txBody>
+      </p:sp>
+      <p:sp>
+        <p:nvSpPr>
+          <p:cNvPr id="3" name="Content Placeholder 2">
+            <a:extLst>
+              <a:ext uri="{FF2B5EF4-FFF2-40B4-BE49-F238E27FC236}">
+                <a16:creationId xmlns:a16="http://schemas.microsoft.com/office/drawing/2014/main" id="{F9DE40DC-57C6-E030-CDA2-D6B0BC88ACF2}"/>
+              </a:ext>
+            </a:extLst>
+          </p:cNvPr>
+          <p:cNvSpPr>
+            <a:spLocks noGrp="1"/>
+          </p:cNvSpPr>
+          <p:nvPr>
+            <p:ph idx="1"/>
+          </p:nvPr>
+        </p:nvSpPr>
+        <p:spPr/>
+        <p:txBody>
+          <a:bodyPr/>
+          <a:lstStyle/>
+          <a:p>
+            <a:r>
+              <a:rPr lang="en-US" dirty="0"/>
+              <a:t>Index &amp; </a:t>
+            </a:r>
+            <a:r>
+              <a:rPr lang="en-US" dirty="0" err="1"/>
+              <a:t>Destructure</a:t>
+            </a:r>
+            <a:r>
+              <a:rPr lang="en-US" dirty="0"/>
+              <a:t> notation</a:t>
+            </a:r>
+          </a:p>
+        </p:txBody>
+      </p:sp>
+    </p:spTree>
+    <p:extLst>
+      <p:ext uri="{BB962C8B-B14F-4D97-AF65-F5344CB8AC3E}">
+        <p14:creationId xmlns:p14="http://schemas.microsoft.com/office/powerpoint/2010/main" val="1815674610"/>
+      </p:ext>
+    </p:extLst>
+  </p:cSld>
+  <p:clrMapOvr>
+    <a:masterClrMapping/>
+  </p:clrMapOvr>
+</p:sld>
+</file>
+
+<file path=ppt/slides/slide29.xml><?xml version="1.0" encoding="utf-8"?>
+<p:sld xmlns:a="http://schemas.openxmlformats.org/drawingml/2006/main" xmlns:r="http://schemas.openxmlformats.org/officeDocument/2006/relationships" xmlns:p="http://schemas.openxmlformats.org/presentationml/2006/main">
+  <p:cSld>
+    <p:spTree>
+      <p:nvGrpSpPr>
+        <p:cNvPr id="1" name=""/>
+        <p:cNvGrpSpPr/>
+        <p:nvPr/>
+      </p:nvGrpSpPr>
+      <p:grpSpPr>
+        <a:xfrm>
+          <a:off x="0" y="0"/>
+          <a:ext cx="0" cy="0"/>
+          <a:chOff x="0" y="0"/>
+          <a:chExt cx="0" cy="0"/>
+        </a:xfrm>
+      </p:grpSpPr>
+      <p:sp>
+        <p:nvSpPr>
+          <p:cNvPr id="2" name="Title 1">
+            <a:extLst>
+              <a:ext uri="{FF2B5EF4-FFF2-40B4-BE49-F238E27FC236}">
+                <a16:creationId xmlns:a16="http://schemas.microsoft.com/office/drawing/2014/main" id="{0F70B6C8-6FF6-912F-27CA-1175F67CB3D1}"/>
+              </a:ext>
+            </a:extLst>
+          </p:cNvPr>
+          <p:cNvSpPr>
+            <a:spLocks noGrp="1"/>
+          </p:cNvSpPr>
+          <p:nvPr>
+            <p:ph type="title"/>
+          </p:nvPr>
+        </p:nvSpPr>
+        <p:spPr/>
+        <p:txBody>
+          <a:bodyPr/>
+          <a:lstStyle/>
+          <a:p>
+            <a:r>
+              <a:rPr lang="en-US" dirty="0"/>
+              <a:t>Array properties and Methods</a:t>
+            </a:r>
+          </a:p>
+        </p:txBody>
+      </p:sp>
+      <p:sp>
+        <p:nvSpPr>
+          <p:cNvPr id="3" name="Content Placeholder 2">
+            <a:extLst>
+              <a:ext uri="{FF2B5EF4-FFF2-40B4-BE49-F238E27FC236}">
+                <a16:creationId xmlns:a16="http://schemas.microsoft.com/office/drawing/2014/main" id="{738EE0B3-9F67-416B-1A6C-0E6CDE87850A}"/>
+              </a:ext>
+            </a:extLst>
+          </p:cNvPr>
+          <p:cNvSpPr>
+            <a:spLocks noGrp="1"/>
+          </p:cNvSpPr>
+          <p:nvPr>
+            <p:ph idx="1"/>
+          </p:nvPr>
+        </p:nvSpPr>
+        <p:spPr/>
+        <p:txBody>
+          <a:bodyPr>
+            <a:normAutofit lnSpcReduction="10000"/>
+          </a:bodyPr>
+          <a:lstStyle/>
+          <a:p>
+            <a:r>
+              <a:rPr lang="en-US" dirty="0"/>
+              <a:t>push()</a:t>
+            </a:r>
+          </a:p>
+          <a:p>
+            <a:r>
+              <a:rPr lang="en-US" dirty="0"/>
+              <a:t>pop()</a:t>
+            </a:r>
+          </a:p>
+          <a:p>
+            <a:r>
+              <a:rPr lang="en-US" dirty="0" err="1"/>
+              <a:t>arr.concat</a:t>
+            </a:r>
+            <a:r>
+              <a:rPr lang="en-US" dirty="0"/>
+              <a:t>([4, 5], 6) - returns a new array with the original array joined together with other arrays or values provided.</a:t>
+            </a:r>
+          </a:p>
+          <a:p>
+            <a:r>
+              <a:rPr lang="en-US" dirty="0" err="1"/>
+              <a:t>arr.includes</a:t>
+            </a:r>
+            <a:r>
+              <a:rPr lang="en-US" dirty="0"/>
+              <a:t>(element) - returns true if the array includes the given element, otherwise false.</a:t>
+            </a:r>
+          </a:p>
+          <a:p>
+            <a:r>
+              <a:rPr lang="en-US" dirty="0" err="1"/>
+              <a:t>arr.indexOf</a:t>
+            </a:r>
+            <a:r>
+              <a:rPr lang="en-US" dirty="0"/>
+              <a:t>(element) - returns the index of the given element in the array, if it exists, otherwise -1 (meaning not found).</a:t>
+            </a:r>
+          </a:p>
+          <a:p>
+            <a:r>
+              <a:rPr lang="en-US" dirty="0" err="1"/>
+              <a:t>arr.join</a:t>
+            </a:r>
+            <a:r>
+              <a:rPr lang="en-US" dirty="0"/>
+              <a:t>("\n") - returns a string created by joining (concatenating) all elements in the array with the given delimiter (String).</a:t>
+            </a:r>
+          </a:p>
+        </p:txBody>
+      </p:sp>
+    </p:spTree>
+    <p:extLst>
+      <p:ext uri="{BB962C8B-B14F-4D97-AF65-F5344CB8AC3E}">
+        <p14:creationId xmlns:p14="http://schemas.microsoft.com/office/powerpoint/2010/main" val="1047175112"/>
+      </p:ext>
+    </p:extLst>
+  </p:cSld>
+  <p:clrMapOvr>
+    <a:masterClrMapping/>
+  </p:clrMapOvr>
+</p:sld>
+</file>
+
 <file path=ppt/slides/slide3.xml><?xml version="1.0" encoding="utf-8"?>
 <p:sld xmlns:a="http://schemas.openxmlformats.org/drawingml/2006/main" xmlns:r="http://schemas.openxmlformats.org/officeDocument/2006/relationships" xmlns:p="http://schemas.openxmlformats.org/presentationml/2006/main">
   <p:cSld>
@@ -6062,6 +6302,743 @@
     <p:extLst>
       <p:ext uri="{BB962C8B-B14F-4D97-AF65-F5344CB8AC3E}">
         <p14:creationId xmlns:p14="http://schemas.microsoft.com/office/powerpoint/2010/main" val="461753030"/>
+      </p:ext>
+    </p:extLst>
+  </p:cSld>
+  <p:clrMapOvr>
+    <a:masterClrMapping/>
+  </p:clrMapOvr>
+</p:sld>
+</file>
+
+<file path=ppt/slides/slide30.xml><?xml version="1.0" encoding="utf-8"?>
+<p:sld xmlns:a="http://schemas.openxmlformats.org/drawingml/2006/main" xmlns:r="http://schemas.openxmlformats.org/officeDocument/2006/relationships" xmlns:p="http://schemas.openxmlformats.org/presentationml/2006/main">
+  <p:cSld>
+    <p:spTree>
+      <p:nvGrpSpPr>
+        <p:cNvPr id="1" name=""/>
+        <p:cNvGrpSpPr/>
+        <p:nvPr/>
+      </p:nvGrpSpPr>
+      <p:grpSpPr>
+        <a:xfrm>
+          <a:off x="0" y="0"/>
+          <a:ext cx="0" cy="0"/>
+          <a:chOff x="0" y="0"/>
+          <a:chExt cx="0" cy="0"/>
+        </a:xfrm>
+      </p:grpSpPr>
+      <p:sp>
+        <p:nvSpPr>
+          <p:cNvPr id="2" name="Title 1">
+            <a:extLst>
+              <a:ext uri="{FF2B5EF4-FFF2-40B4-BE49-F238E27FC236}">
+                <a16:creationId xmlns:a16="http://schemas.microsoft.com/office/drawing/2014/main" id="{E2886E1E-9172-3756-3C8E-5E6122D76FEA}"/>
+              </a:ext>
+            </a:extLst>
+          </p:cNvPr>
+          <p:cNvSpPr>
+            <a:spLocks noGrp="1"/>
+          </p:cNvSpPr>
+          <p:nvPr>
+            <p:ph type="title"/>
+          </p:nvPr>
+        </p:nvSpPr>
+        <p:spPr/>
+        <p:txBody>
+          <a:bodyPr/>
+          <a:lstStyle/>
+          <a:p>
+            <a:r>
+              <a:rPr lang="en-US" dirty="0"/>
+              <a:t>Methods for iterating across the elements in an Array</a:t>
+            </a:r>
+          </a:p>
+        </p:txBody>
+      </p:sp>
+      <p:sp>
+        <p:nvSpPr>
+          <p:cNvPr id="3" name="Content Placeholder 2">
+            <a:extLst>
+              <a:ext uri="{FF2B5EF4-FFF2-40B4-BE49-F238E27FC236}">
+                <a16:creationId xmlns:a16="http://schemas.microsoft.com/office/drawing/2014/main" id="{2C81EAED-F013-C45D-5CAF-77C1FD8A49FE}"/>
+              </a:ext>
+            </a:extLst>
+          </p:cNvPr>
+          <p:cNvSpPr>
+            <a:spLocks noGrp="1"/>
+          </p:cNvSpPr>
+          <p:nvPr>
+            <p:ph idx="1"/>
+          </p:nvPr>
+        </p:nvSpPr>
+        <p:spPr/>
+        <p:txBody>
+          <a:bodyPr>
+            <a:normAutofit fontScale="92500"/>
+          </a:bodyPr>
+          <a:lstStyle/>
+          <a:p>
+            <a:pPr marL="0" indent="0">
+              <a:buNone/>
+            </a:pPr>
+            <a:r>
+              <a:rPr lang="da-DK" dirty="0"/>
+              <a:t>let list = [1, 2, 3, 4];</a:t>
+            </a:r>
+          </a:p>
+          <a:p>
+            <a:pPr marL="0" indent="0">
+              <a:buNone/>
+            </a:pPr>
+            <a:r>
+              <a:rPr lang="en-US" dirty="0"/>
+              <a:t>// Create a new Array that adds 3 to every item in list, using a for-loop</a:t>
+            </a:r>
+          </a:p>
+          <a:p>
+            <a:pPr marL="0" indent="0">
+              <a:buNone/>
+            </a:pPr>
+            <a:r>
+              <a:rPr lang="en-US" dirty="0"/>
+              <a:t>let </a:t>
+            </a:r>
+            <a:r>
+              <a:rPr lang="en-US" dirty="0" err="1"/>
+              <a:t>listCopy</a:t>
+            </a:r>
+            <a:r>
+              <a:rPr lang="en-US" dirty="0"/>
+              <a:t> = [];</a:t>
+            </a:r>
+          </a:p>
+          <a:p>
+            <a:pPr marL="0" indent="0">
+              <a:buNone/>
+            </a:pPr>
+            <a:endParaRPr lang="en-US" dirty="0"/>
+          </a:p>
+          <a:p>
+            <a:pPr marL="0" indent="0">
+              <a:buNone/>
+            </a:pPr>
+            <a:r>
+              <a:rPr lang="en-US" dirty="0"/>
+              <a:t>for(let </a:t>
+            </a:r>
+            <a:r>
+              <a:rPr lang="en-US" dirty="0" err="1"/>
+              <a:t>i</a:t>
+            </a:r>
+            <a:r>
+              <a:rPr lang="en-US" dirty="0"/>
+              <a:t> = 0; </a:t>
+            </a:r>
+            <a:r>
+              <a:rPr lang="en-US" dirty="0" err="1"/>
+              <a:t>i</a:t>
+            </a:r>
+            <a:r>
+              <a:rPr lang="en-US" dirty="0"/>
+              <a:t> &lt; </a:t>
+            </a:r>
+            <a:r>
+              <a:rPr lang="en-US" dirty="0" err="1"/>
+              <a:t>list.length</a:t>
+            </a:r>
+            <a:r>
+              <a:rPr lang="en-US" dirty="0"/>
+              <a:t>; </a:t>
+            </a:r>
+            <a:r>
+              <a:rPr lang="en-US" dirty="0" err="1"/>
+              <a:t>i</a:t>
+            </a:r>
+            <a:r>
+              <a:rPr lang="en-US" dirty="0"/>
+              <a:t>++) {</a:t>
+            </a:r>
+          </a:p>
+          <a:p>
+            <a:pPr marL="0" indent="0">
+              <a:buNone/>
+            </a:pPr>
+            <a:r>
+              <a:rPr lang="en-US" dirty="0"/>
+              <a:t>    let element = list[</a:t>
+            </a:r>
+            <a:r>
+              <a:rPr lang="en-US" dirty="0" err="1"/>
+              <a:t>i</a:t>
+            </a:r>
+            <a:r>
+              <a:rPr lang="en-US" dirty="0"/>
+              <a:t>];</a:t>
+            </a:r>
+          </a:p>
+          <a:p>
+            <a:pPr marL="0" indent="0">
+              <a:buNone/>
+            </a:pPr>
+            <a:r>
+              <a:rPr lang="en-US" dirty="0"/>
+              <a:t>    element += 3;</a:t>
+            </a:r>
+          </a:p>
+          <a:p>
+            <a:pPr marL="0" indent="0">
+              <a:buNone/>
+            </a:pPr>
+            <a:r>
+              <a:rPr lang="en-US" dirty="0"/>
+              <a:t>    </a:t>
+            </a:r>
+            <a:r>
+              <a:rPr lang="en-US" dirty="0" err="1"/>
+              <a:t>listCopy.push</a:t>
+            </a:r>
+            <a:r>
+              <a:rPr lang="en-US" dirty="0"/>
+              <a:t>(element);</a:t>
+            </a:r>
+          </a:p>
+          <a:p>
+            <a:pPr marL="0" indent="0">
+              <a:buNone/>
+            </a:pPr>
+            <a:r>
+              <a:rPr lang="en-US" dirty="0"/>
+              <a:t>}</a:t>
+            </a:r>
+          </a:p>
+        </p:txBody>
+      </p:sp>
+    </p:spTree>
+    <p:extLst>
+      <p:ext uri="{BB962C8B-B14F-4D97-AF65-F5344CB8AC3E}">
+        <p14:creationId xmlns:p14="http://schemas.microsoft.com/office/powerpoint/2010/main" val="1499761370"/>
+      </p:ext>
+    </p:extLst>
+  </p:cSld>
+  <p:clrMapOvr>
+    <a:masterClrMapping/>
+  </p:clrMapOvr>
+</p:sld>
+</file>
+
+<file path=ppt/slides/slide31.xml><?xml version="1.0" encoding="utf-8"?>
+<p:sld xmlns:a="http://schemas.openxmlformats.org/drawingml/2006/main" xmlns:r="http://schemas.openxmlformats.org/officeDocument/2006/relationships" xmlns:p="http://schemas.openxmlformats.org/presentationml/2006/main">
+  <p:cSld>
+    <p:spTree>
+      <p:nvGrpSpPr>
+        <p:cNvPr id="1" name=""/>
+        <p:cNvGrpSpPr/>
+        <p:nvPr/>
+      </p:nvGrpSpPr>
+      <p:grpSpPr>
+        <a:xfrm>
+          <a:off x="0" y="0"/>
+          <a:ext cx="0" cy="0"/>
+          <a:chOff x="0" y="0"/>
+          <a:chExt cx="0" cy="0"/>
+        </a:xfrm>
+      </p:grpSpPr>
+      <p:sp>
+        <p:nvSpPr>
+          <p:cNvPr id="2" name="Title 1">
+            <a:extLst>
+              <a:ext uri="{FF2B5EF4-FFF2-40B4-BE49-F238E27FC236}">
+                <a16:creationId xmlns:a16="http://schemas.microsoft.com/office/drawing/2014/main" id="{176302BA-DB30-C268-7CC6-9D3C80D7C04C}"/>
+              </a:ext>
+            </a:extLst>
+          </p:cNvPr>
+          <p:cNvSpPr>
+            <a:spLocks noGrp="1"/>
+          </p:cNvSpPr>
+          <p:nvPr>
+            <p:ph type="title"/>
+          </p:nvPr>
+        </p:nvSpPr>
+        <p:spPr/>
+        <p:txBody>
+          <a:bodyPr/>
+          <a:lstStyle/>
+          <a:p>
+            <a:r>
+              <a:rPr lang="en-US" dirty="0"/>
+              <a:t>Now the same code using the Array’s </a:t>
+            </a:r>
+            <a:r>
+              <a:rPr lang="en-US" dirty="0" err="1"/>
+              <a:t>forEach</a:t>
+            </a:r>
+            <a:r>
+              <a:rPr lang="en-US" dirty="0"/>
+              <a:t>() method:</a:t>
+            </a:r>
+          </a:p>
+        </p:txBody>
+      </p:sp>
+      <p:sp>
+        <p:nvSpPr>
+          <p:cNvPr id="3" name="Content Placeholder 2">
+            <a:extLst>
+              <a:ext uri="{FF2B5EF4-FFF2-40B4-BE49-F238E27FC236}">
+                <a16:creationId xmlns:a16="http://schemas.microsoft.com/office/drawing/2014/main" id="{C3FD5667-A0C0-FD8B-56C9-5EEB8B8E4EE0}"/>
+              </a:ext>
+            </a:extLst>
+          </p:cNvPr>
+          <p:cNvSpPr>
+            <a:spLocks noGrp="1"/>
+          </p:cNvSpPr>
+          <p:nvPr>
+            <p:ph idx="1"/>
+          </p:nvPr>
+        </p:nvSpPr>
+        <p:spPr/>
+        <p:txBody>
+          <a:bodyPr/>
+          <a:lstStyle/>
+          <a:p>
+            <a:pPr marL="0" indent="0">
+              <a:buNone/>
+            </a:pPr>
+            <a:r>
+              <a:rPr lang="en-US" dirty="0"/>
+              <a:t>let </a:t>
+            </a:r>
+            <a:r>
+              <a:rPr lang="en-US" dirty="0" err="1"/>
+              <a:t>listCopy</a:t>
+            </a:r>
+            <a:r>
+              <a:rPr lang="en-US" dirty="0"/>
+              <a:t> = [];</a:t>
+            </a:r>
+          </a:p>
+          <a:p>
+            <a:pPr marL="0" indent="0">
+              <a:buNone/>
+            </a:pPr>
+            <a:endParaRPr lang="en-US" dirty="0"/>
+          </a:p>
+          <a:p>
+            <a:pPr marL="0" indent="0">
+              <a:buNone/>
+            </a:pPr>
+            <a:r>
+              <a:rPr lang="en-US" dirty="0" err="1"/>
+              <a:t>list.forEach</a:t>
+            </a:r>
+            <a:r>
+              <a:rPr lang="en-US" dirty="0"/>
+              <a:t>(function(element) {</a:t>
+            </a:r>
+          </a:p>
+          <a:p>
+            <a:pPr marL="0" indent="0">
+              <a:buNone/>
+            </a:pPr>
+            <a:r>
+              <a:rPr lang="en-US" dirty="0"/>
+              <a:t>    </a:t>
+            </a:r>
+            <a:r>
+              <a:rPr lang="en-US" dirty="0" err="1"/>
+              <a:t>listCopy.push</a:t>
+            </a:r>
+            <a:r>
+              <a:rPr lang="en-US" dirty="0"/>
+              <a:t>(element + 3);</a:t>
+            </a:r>
+          </a:p>
+          <a:p>
+            <a:pPr marL="0" indent="0">
+              <a:buNone/>
+            </a:pPr>
+            <a:r>
+              <a:rPr lang="en-US" dirty="0"/>
+              <a:t>});</a:t>
+            </a:r>
+          </a:p>
+        </p:txBody>
+      </p:sp>
+    </p:spTree>
+    <p:extLst>
+      <p:ext uri="{BB962C8B-B14F-4D97-AF65-F5344CB8AC3E}">
+        <p14:creationId xmlns:p14="http://schemas.microsoft.com/office/powerpoint/2010/main" val="1153012873"/>
+      </p:ext>
+    </p:extLst>
+  </p:cSld>
+  <p:clrMapOvr>
+    <a:masterClrMapping/>
+  </p:clrMapOvr>
+</p:sld>
+</file>
+
+<file path=ppt/slides/slide32.xml><?xml version="1.0" encoding="utf-8"?>
+<p:sld xmlns:a="http://schemas.openxmlformats.org/drawingml/2006/main" xmlns:r="http://schemas.openxmlformats.org/officeDocument/2006/relationships" xmlns:p="http://schemas.openxmlformats.org/presentationml/2006/main">
+  <p:cSld>
+    <p:spTree>
+      <p:nvGrpSpPr>
+        <p:cNvPr id="1" name=""/>
+        <p:cNvGrpSpPr/>
+        <p:nvPr/>
+      </p:nvGrpSpPr>
+      <p:grpSpPr>
+        <a:xfrm>
+          <a:off x="0" y="0"/>
+          <a:ext cx="0" cy="0"/>
+          <a:chOff x="0" y="0"/>
+          <a:chExt cx="0" cy="0"/>
+        </a:xfrm>
+      </p:grpSpPr>
+      <p:sp>
+        <p:nvSpPr>
+          <p:cNvPr id="2" name="Title 1">
+            <a:extLst>
+              <a:ext uri="{FF2B5EF4-FFF2-40B4-BE49-F238E27FC236}">
+                <a16:creationId xmlns:a16="http://schemas.microsoft.com/office/drawing/2014/main" id="{C91C96DB-02F8-EB7A-7814-F8E4F5CACBA2}"/>
+              </a:ext>
+            </a:extLst>
+          </p:cNvPr>
+          <p:cNvSpPr>
+            <a:spLocks noGrp="1"/>
+          </p:cNvSpPr>
+          <p:nvPr>
+            <p:ph type="title"/>
+          </p:nvPr>
+        </p:nvSpPr>
+        <p:spPr/>
+        <p:txBody>
+          <a:bodyPr/>
+          <a:lstStyle/>
+          <a:p>
+            <a:r>
+              <a:rPr lang="en-US" dirty="0"/>
+              <a:t>map() method – the most powerful one</a:t>
+            </a:r>
+          </a:p>
+        </p:txBody>
+      </p:sp>
+      <p:sp>
+        <p:nvSpPr>
+          <p:cNvPr id="3" name="Content Placeholder 2">
+            <a:extLst>
+              <a:ext uri="{FF2B5EF4-FFF2-40B4-BE49-F238E27FC236}">
+                <a16:creationId xmlns:a16="http://schemas.microsoft.com/office/drawing/2014/main" id="{3BE14CC5-2E70-2D89-F505-E4AB9202C6DA}"/>
+              </a:ext>
+            </a:extLst>
+          </p:cNvPr>
+          <p:cNvSpPr>
+            <a:spLocks noGrp="1"/>
+          </p:cNvSpPr>
+          <p:nvPr>
+            <p:ph idx="1"/>
+          </p:nvPr>
+        </p:nvSpPr>
+        <p:spPr/>
+        <p:txBody>
+          <a:bodyPr/>
+          <a:lstStyle/>
+          <a:p>
+            <a:pPr marL="0" indent="0">
+              <a:buNone/>
+            </a:pPr>
+            <a:r>
+              <a:rPr lang="en-US" dirty="0"/>
+              <a:t>let </a:t>
+            </a:r>
+            <a:r>
+              <a:rPr lang="en-US" dirty="0" err="1"/>
+              <a:t>listCopy</a:t>
+            </a:r>
+            <a:r>
+              <a:rPr lang="en-US" dirty="0"/>
+              <a:t> = </a:t>
+            </a:r>
+            <a:r>
+              <a:rPr lang="en-US" dirty="0" err="1"/>
+              <a:t>list.map</a:t>
+            </a:r>
+            <a:r>
+              <a:rPr lang="en-US" dirty="0"/>
+              <a:t>(function(element) {</a:t>
+            </a:r>
+          </a:p>
+          <a:p>
+            <a:pPr marL="0" indent="0">
+              <a:buNone/>
+            </a:pPr>
+            <a:r>
+              <a:rPr lang="en-US" dirty="0"/>
+              <a:t>    return element + 3;</a:t>
+            </a:r>
+          </a:p>
+          <a:p>
+            <a:pPr marL="0" indent="0">
+              <a:buNone/>
+            </a:pPr>
+            <a:r>
+              <a:rPr lang="en-US" dirty="0"/>
+              <a:t>});</a:t>
+            </a:r>
+          </a:p>
+        </p:txBody>
+      </p:sp>
+    </p:spTree>
+    <p:extLst>
+      <p:ext uri="{BB962C8B-B14F-4D97-AF65-F5344CB8AC3E}">
+        <p14:creationId xmlns:p14="http://schemas.microsoft.com/office/powerpoint/2010/main" val="713667681"/>
+      </p:ext>
+    </p:extLst>
+  </p:cSld>
+  <p:clrMapOvr>
+    <a:masterClrMapping/>
+  </p:clrMapOvr>
+</p:sld>
+</file>
+
+<file path=ppt/slides/slide33.xml><?xml version="1.0" encoding="utf-8"?>
+<p:sld xmlns:a="http://schemas.openxmlformats.org/drawingml/2006/main" xmlns:r="http://schemas.openxmlformats.org/officeDocument/2006/relationships" xmlns:p="http://schemas.openxmlformats.org/presentationml/2006/main">
+  <p:cSld>
+    <p:spTree>
+      <p:nvGrpSpPr>
+        <p:cNvPr id="1" name=""/>
+        <p:cNvGrpSpPr/>
+        <p:nvPr/>
+      </p:nvGrpSpPr>
+      <p:grpSpPr>
+        <a:xfrm>
+          <a:off x="0" y="0"/>
+          <a:ext cx="0" cy="0"/>
+          <a:chOff x="0" y="0"/>
+          <a:chExt cx="0" cy="0"/>
+        </a:xfrm>
+      </p:grpSpPr>
+      <p:sp>
+        <p:nvSpPr>
+          <p:cNvPr id="2" name="Title 1">
+            <a:extLst>
+              <a:ext uri="{FF2B5EF4-FFF2-40B4-BE49-F238E27FC236}">
+                <a16:creationId xmlns:a16="http://schemas.microsoft.com/office/drawing/2014/main" id="{C9EFA4B8-18FD-63E6-3D76-719926C223D3}"/>
+              </a:ext>
+            </a:extLst>
+          </p:cNvPr>
+          <p:cNvSpPr>
+            <a:spLocks noGrp="1"/>
+          </p:cNvSpPr>
+          <p:nvPr>
+            <p:ph type="title"/>
+          </p:nvPr>
+        </p:nvSpPr>
+        <p:spPr/>
+        <p:txBody>
+          <a:bodyPr>
+            <a:normAutofit fontScale="90000"/>
+          </a:bodyPr>
+          <a:lstStyle/>
+          <a:p>
+            <a:r>
+              <a:rPr lang="en-US" dirty="0"/>
+              <a:t>Here are some of the Array methods you should work on learning:</a:t>
+            </a:r>
+            <a:br>
+              <a:rPr lang="en-US" dirty="0"/>
+            </a:br>
+            <a:endParaRPr lang="en-US" dirty="0"/>
+          </a:p>
+        </p:txBody>
+      </p:sp>
+      <p:sp>
+        <p:nvSpPr>
+          <p:cNvPr id="3" name="Content Placeholder 2">
+            <a:extLst>
+              <a:ext uri="{FF2B5EF4-FFF2-40B4-BE49-F238E27FC236}">
+                <a16:creationId xmlns:a16="http://schemas.microsoft.com/office/drawing/2014/main" id="{F47832A4-2ECF-39E9-5795-126B8CBDE7F1}"/>
+              </a:ext>
+            </a:extLst>
+          </p:cNvPr>
+          <p:cNvSpPr>
+            <a:spLocks noGrp="1"/>
+          </p:cNvSpPr>
+          <p:nvPr>
+            <p:ph idx="1"/>
+          </p:nvPr>
+        </p:nvSpPr>
+        <p:spPr/>
+        <p:txBody>
+          <a:bodyPr>
+            <a:normAutofit fontScale="92500" lnSpcReduction="10000"/>
+          </a:bodyPr>
+          <a:lstStyle/>
+          <a:p>
+            <a:endParaRPr lang="en-US" dirty="0"/>
+          </a:p>
+          <a:p>
+            <a:r>
+              <a:rPr lang="en-US" dirty="0" err="1"/>
+              <a:t>arr.forEach</a:t>
+            </a:r>
+            <a:r>
+              <a:rPr lang="en-US" dirty="0"/>
+              <a:t>() - calls the provided function on each element in the array.</a:t>
+            </a:r>
+          </a:p>
+          <a:p>
+            <a:r>
+              <a:rPr lang="en-US" dirty="0" err="1"/>
+              <a:t>arr.map</a:t>
+            </a:r>
+            <a:r>
+              <a:rPr lang="en-US" dirty="0"/>
+              <a:t>() - creates and returns a new array constructed by calling the provided function on each element of the original array.</a:t>
+            </a:r>
+          </a:p>
+          <a:p>
+            <a:r>
+              <a:rPr lang="en-US" dirty="0" err="1"/>
+              <a:t>arr.find</a:t>
+            </a:r>
+            <a:r>
+              <a:rPr lang="en-US" dirty="0"/>
+              <a:t>() - finds and returns an element from the array which matches a condition you define. See also </a:t>
+            </a:r>
+            <a:r>
+              <a:rPr lang="en-US" dirty="0" err="1"/>
+              <a:t>arr.findLast</a:t>
+            </a:r>
+            <a:r>
+              <a:rPr lang="en-US" dirty="0"/>
+              <a:t>(), </a:t>
+            </a:r>
+            <a:r>
+              <a:rPr lang="en-US" dirty="0" err="1"/>
+              <a:t>arr.findIndex</a:t>
+            </a:r>
+            <a:r>
+              <a:rPr lang="en-US" dirty="0"/>
+              <a:t>(), and </a:t>
+            </a:r>
+            <a:r>
+              <a:rPr lang="en-US" dirty="0" err="1"/>
+              <a:t>arr.findLastIndex</a:t>
+            </a:r>
+            <a:r>
+              <a:rPr lang="en-US" dirty="0"/>
+              <a:t>(), which all work in similar ways.</a:t>
+            </a:r>
+          </a:p>
+          <a:p>
+            <a:r>
+              <a:rPr lang="en-US" dirty="0" err="1"/>
+              <a:t>arr.filter</a:t>
+            </a:r>
+            <a:r>
+              <a:rPr lang="en-US" dirty="0"/>
+              <a:t>() - creates and returns a new array containing only those elements that match a condition you define in your function.</a:t>
+            </a:r>
+          </a:p>
+          <a:p>
+            <a:r>
+              <a:rPr lang="en-US" dirty="0" err="1"/>
+              <a:t>arr.every</a:t>
+            </a:r>
+            <a:r>
+              <a:rPr lang="en-US" dirty="0"/>
+              <a:t>() - returns true if all of the elements in the array meet a condition you define in your function.</a:t>
+            </a:r>
+          </a:p>
+        </p:txBody>
+      </p:sp>
+    </p:spTree>
+    <p:extLst>
+      <p:ext uri="{BB962C8B-B14F-4D97-AF65-F5344CB8AC3E}">
+        <p14:creationId xmlns:p14="http://schemas.microsoft.com/office/powerpoint/2010/main" val="574649807"/>
+      </p:ext>
+    </p:extLst>
+  </p:cSld>
+  <p:clrMapOvr>
+    <a:masterClrMapping/>
+  </p:clrMapOvr>
+</p:sld>
+</file>
+
+<file path=ppt/slides/slide34.xml><?xml version="1.0" encoding="utf-8"?>
+<p:sld xmlns:a="http://schemas.openxmlformats.org/drawingml/2006/main" xmlns:r="http://schemas.openxmlformats.org/officeDocument/2006/relationships" xmlns:p="http://schemas.openxmlformats.org/presentationml/2006/main">
+  <p:cSld>
+    <p:spTree>
+      <p:nvGrpSpPr>
+        <p:cNvPr id="1" name=""/>
+        <p:cNvGrpSpPr/>
+        <p:nvPr/>
+      </p:nvGrpSpPr>
+      <p:grpSpPr>
+        <a:xfrm>
+          <a:off x="0" y="0"/>
+          <a:ext cx="0" cy="0"/>
+          <a:chOff x="0" y="0"/>
+          <a:chExt cx="0" cy="0"/>
+        </a:xfrm>
+      </p:grpSpPr>
+      <p:sp>
+        <p:nvSpPr>
+          <p:cNvPr id="2" name="Title 1">
+            <a:extLst>
+              <a:ext uri="{FF2B5EF4-FFF2-40B4-BE49-F238E27FC236}">
+                <a16:creationId xmlns:a16="http://schemas.microsoft.com/office/drawing/2014/main" id="{434665B1-92AA-DCB0-48CC-99DB0BF130AC}"/>
+              </a:ext>
+            </a:extLst>
+          </p:cNvPr>
+          <p:cNvSpPr>
+            <a:spLocks noGrp="1"/>
+          </p:cNvSpPr>
+          <p:nvPr>
+            <p:ph type="title"/>
+          </p:nvPr>
+        </p:nvSpPr>
+        <p:spPr/>
+        <p:txBody>
+          <a:bodyPr/>
+          <a:lstStyle/>
+          <a:p>
+            <a:r>
+              <a:rPr lang="en-US" dirty="0"/>
+              <a:t>Regular Expressions!</a:t>
+            </a:r>
+          </a:p>
+        </p:txBody>
+      </p:sp>
+      <p:sp>
+        <p:nvSpPr>
+          <p:cNvPr id="3" name="Content Placeholder 2">
+            <a:extLst>
+              <a:ext uri="{FF2B5EF4-FFF2-40B4-BE49-F238E27FC236}">
+                <a16:creationId xmlns:a16="http://schemas.microsoft.com/office/drawing/2014/main" id="{FE8A6BD7-4011-B2B3-C434-2B1B167E38FA}"/>
+              </a:ext>
+            </a:extLst>
+          </p:cNvPr>
+          <p:cNvSpPr>
+            <a:spLocks noGrp="1"/>
+          </p:cNvSpPr>
+          <p:nvPr>
+            <p:ph idx="1"/>
+          </p:nvPr>
+        </p:nvSpPr>
+        <p:spPr/>
+        <p:txBody>
+          <a:bodyPr/>
+          <a:lstStyle/>
+          <a:p>
+            <a:endParaRPr lang="en-US"/>
+          </a:p>
+        </p:txBody>
+      </p:sp>
+    </p:spTree>
+    <p:extLst>
+      <p:ext uri="{BB962C8B-B14F-4D97-AF65-F5344CB8AC3E}">
+        <p14:creationId xmlns:p14="http://schemas.microsoft.com/office/powerpoint/2010/main" val="1351838333"/>
       </p:ext>
     </p:extLst>
   </p:cSld>

--- a/JavaScript/Week3/Week3.pptx
+++ b/JavaScript/Week3/Week3.pptx
@@ -276,7 +276,7 @@
           <a:p>
             <a:fld id="{F28A4246-F2A7-4220-A405-8A96DAE08D6A}" type="datetimeFigureOut">
               <a:rPr lang="en-US" smtClean="0"/>
-              <a:t>9/18/2024</a:t>
+              <a:t>9/23/2024</a:t>
             </a:fld>
             <a:endParaRPr lang="en-US"/>
           </a:p>
@@ -446,7 +446,7 @@
           <a:p>
             <a:fld id="{F28A4246-F2A7-4220-A405-8A96DAE08D6A}" type="datetimeFigureOut">
               <a:rPr lang="en-US" smtClean="0"/>
-              <a:t>9/18/2024</a:t>
+              <a:t>9/23/2024</a:t>
             </a:fld>
             <a:endParaRPr lang="en-US"/>
           </a:p>
@@ -626,7 +626,7 @@
           <a:p>
             <a:fld id="{F28A4246-F2A7-4220-A405-8A96DAE08D6A}" type="datetimeFigureOut">
               <a:rPr lang="en-US" smtClean="0"/>
-              <a:t>9/18/2024</a:t>
+              <a:t>9/23/2024</a:t>
             </a:fld>
             <a:endParaRPr lang="en-US"/>
           </a:p>
@@ -796,7 +796,7 @@
           <a:p>
             <a:fld id="{F28A4246-F2A7-4220-A405-8A96DAE08D6A}" type="datetimeFigureOut">
               <a:rPr lang="en-US" smtClean="0"/>
-              <a:t>9/18/2024</a:t>
+              <a:t>9/23/2024</a:t>
             </a:fld>
             <a:endParaRPr lang="en-US"/>
           </a:p>
@@ -1042,7 +1042,7 @@
           <a:p>
             <a:fld id="{F28A4246-F2A7-4220-A405-8A96DAE08D6A}" type="datetimeFigureOut">
               <a:rPr lang="en-US" smtClean="0"/>
-              <a:t>9/18/2024</a:t>
+              <a:t>9/23/2024</a:t>
             </a:fld>
             <a:endParaRPr lang="en-US"/>
           </a:p>
@@ -1274,7 +1274,7 @@
           <a:p>
             <a:fld id="{F28A4246-F2A7-4220-A405-8A96DAE08D6A}" type="datetimeFigureOut">
               <a:rPr lang="en-US" smtClean="0"/>
-              <a:t>9/18/2024</a:t>
+              <a:t>9/23/2024</a:t>
             </a:fld>
             <a:endParaRPr lang="en-US"/>
           </a:p>
@@ -1641,7 +1641,7 @@
           <a:p>
             <a:fld id="{F28A4246-F2A7-4220-A405-8A96DAE08D6A}" type="datetimeFigureOut">
               <a:rPr lang="en-US" smtClean="0"/>
-              <a:t>9/18/2024</a:t>
+              <a:t>9/23/2024</a:t>
             </a:fld>
             <a:endParaRPr lang="en-US"/>
           </a:p>
@@ -1759,7 +1759,7 @@
           <a:p>
             <a:fld id="{F28A4246-F2A7-4220-A405-8A96DAE08D6A}" type="datetimeFigureOut">
               <a:rPr lang="en-US" smtClean="0"/>
-              <a:t>9/18/2024</a:t>
+              <a:t>9/23/2024</a:t>
             </a:fld>
             <a:endParaRPr lang="en-US"/>
           </a:p>
@@ -1854,7 +1854,7 @@
           <a:p>
             <a:fld id="{F28A4246-F2A7-4220-A405-8A96DAE08D6A}" type="datetimeFigureOut">
               <a:rPr lang="en-US" smtClean="0"/>
-              <a:t>9/18/2024</a:t>
+              <a:t>9/23/2024</a:t>
             </a:fld>
             <a:endParaRPr lang="en-US"/>
           </a:p>
@@ -2131,7 +2131,7 @@
           <a:p>
             <a:fld id="{F28A4246-F2A7-4220-A405-8A96DAE08D6A}" type="datetimeFigureOut">
               <a:rPr lang="en-US" smtClean="0"/>
-              <a:t>9/18/2024</a:t>
+              <a:t>9/23/2024</a:t>
             </a:fld>
             <a:endParaRPr lang="en-US"/>
           </a:p>
@@ -2388,7 +2388,7 @@
           <a:p>
             <a:fld id="{F28A4246-F2A7-4220-A405-8A96DAE08D6A}" type="datetimeFigureOut">
               <a:rPr lang="en-US" smtClean="0"/>
-              <a:t>9/18/2024</a:t>
+              <a:t>9/23/2024</a:t>
             </a:fld>
             <a:endParaRPr lang="en-US"/>
           </a:p>
@@ -2601,7 +2601,7 @@
           <a:p>
             <a:fld id="{F28A4246-F2A7-4220-A405-8A96DAE08D6A}" type="datetimeFigureOut">
               <a:rPr lang="en-US" smtClean="0"/>
-              <a:t>9/18/2024</a:t>
+              <a:t>9/23/2024</a:t>
             </a:fld>
             <a:endParaRPr lang="en-US"/>
           </a:p>
@@ -7031,7 +7031,10 @@
           <a:bodyPr/>
           <a:lstStyle/>
           <a:p>
-            <a:endParaRPr lang="en-US"/>
+            <a:r>
+              <a:rPr lang="en-US"/>
+              <a:t>Week4..</a:t>
+            </a:r>
           </a:p>
         </p:txBody>
       </p:sp>
